--- a/Slides/Week03/00：課程大綱.pptx
+++ b/Slides/Week03/00：課程大綱.pptx
@@ -5,10 +5,10 @@
     <p:sldMasterId id="2147483648" r:id="rId1"/>
   </p:sldMasterIdLst>
   <p:notesMasterIdLst>
-    <p:notesMasterId r:id="rId22"/>
+    <p:notesMasterId r:id="rId15"/>
   </p:notesMasterIdLst>
   <p:handoutMasterIdLst>
-    <p:handoutMasterId r:id="rId23"/>
+    <p:handoutMasterId r:id="rId16"/>
   </p:handoutMasterIdLst>
   <p:sldIdLst>
     <p:sldId id="681" r:id="rId2"/>
@@ -19,18 +19,11 @@
     <p:sldId id="1228" r:id="rId7"/>
     <p:sldId id="1229" r:id="rId8"/>
     <p:sldId id="1230" r:id="rId9"/>
-    <p:sldId id="1213" r:id="rId10"/>
-    <p:sldId id="1214" r:id="rId11"/>
-    <p:sldId id="1215" r:id="rId12"/>
-    <p:sldId id="1216" r:id="rId13"/>
-    <p:sldId id="1206" r:id="rId14"/>
-    <p:sldId id="1187" r:id="rId15"/>
-    <p:sldId id="1189" r:id="rId16"/>
-    <p:sldId id="1190" r:id="rId17"/>
-    <p:sldId id="1191" r:id="rId18"/>
-    <p:sldId id="1192" r:id="rId19"/>
-    <p:sldId id="1193" r:id="rId20"/>
-    <p:sldId id="1194" r:id="rId21"/>
+    <p:sldId id="1190" r:id="rId10"/>
+    <p:sldId id="1191" r:id="rId11"/>
+    <p:sldId id="1192" r:id="rId12"/>
+    <p:sldId id="1193" r:id="rId13"/>
+    <p:sldId id="1194" r:id="rId14"/>
   </p:sldIdLst>
   <p:sldSz cx="9144000" cy="6858000" type="screen4x3"/>
   <p:notesSz cx="6858000" cy="9144000"/>
@@ -245,7 +238,7 @@
             <a:fld id="{68F88C59-319B-4332-9A1D-2A62CFCB00D8}" type="datetimeFigureOut">
               <a:rPr lang="en-US" smtClean="0"/>
               <a:pPr/>
-              <a:t>3/29/2024</a:t>
+              <a:t>4/11/2024</a:t>
             </a:fld>
             <a:endParaRPr lang="en-US" dirty="0"/>
           </a:p>
@@ -416,7 +409,7 @@
             <a:fld id="{968B300D-05F0-4B43-940D-46DED5A791AD}" type="datetimeFigureOut">
               <a:rPr lang="en-US" smtClean="0"/>
               <a:pPr/>
-              <a:t>3/29/2024</a:t>
+              <a:t>4/11/2024</a:t>
             </a:fld>
             <a:endParaRPr lang="en-US" dirty="0"/>
           </a:p>
@@ -851,7 +844,7 @@
     </p:spTree>
     <p:extLst>
       <p:ext uri="{BB962C8B-B14F-4D97-AF65-F5344CB8AC3E}">
-        <p14:creationId xmlns:p14="http://schemas.microsoft.com/office/powerpoint/2010/main" val="1201298150"/>
+        <p14:creationId xmlns:p14="http://schemas.microsoft.com/office/powerpoint/2010/main" val="2531015915"/>
       </p:ext>
     </p:extLst>
   </p:cSld>
@@ -936,7 +929,7 @@
     </p:spTree>
     <p:extLst>
       <p:ext uri="{BB962C8B-B14F-4D97-AF65-F5344CB8AC3E}">
-        <p14:creationId xmlns:p14="http://schemas.microsoft.com/office/powerpoint/2010/main" val="99342245"/>
+        <p14:creationId xmlns:p14="http://schemas.microsoft.com/office/powerpoint/2010/main" val="763947392"/>
       </p:ext>
     </p:extLst>
   </p:cSld>
@@ -1012,7 +1005,7 @@
             <a:fld id="{9B26CD33-4337-4529-948A-94F6960B2374}" type="slidenum">
               <a:rPr lang="en-US" smtClean="0"/>
               <a:pPr/>
-              <a:t>13</a:t>
+              <a:t>12</a:t>
             </a:fld>
             <a:endParaRPr lang="en-US" dirty="0"/>
           </a:p>
@@ -1021,7 +1014,7 @@
     </p:spTree>
     <p:extLst>
       <p:ext uri="{BB962C8B-B14F-4D97-AF65-F5344CB8AC3E}">
-        <p14:creationId xmlns:p14="http://schemas.microsoft.com/office/powerpoint/2010/main" val="330797101"/>
+        <p14:creationId xmlns:p14="http://schemas.microsoft.com/office/powerpoint/2010/main" val="4176042193"/>
       </p:ext>
     </p:extLst>
   </p:cSld>
@@ -1097,517 +1090,7 @@
             <a:fld id="{9B26CD33-4337-4529-948A-94F6960B2374}" type="slidenum">
               <a:rPr lang="en-US" smtClean="0"/>
               <a:pPr/>
-              <a:t>14</a:t>
-            </a:fld>
-            <a:endParaRPr lang="en-US" dirty="0"/>
-          </a:p>
-        </p:txBody>
-      </p:sp>
-    </p:spTree>
-    <p:extLst>
-      <p:ext uri="{BB962C8B-B14F-4D97-AF65-F5344CB8AC3E}">
-        <p14:creationId xmlns:p14="http://schemas.microsoft.com/office/powerpoint/2010/main" val="2961045408"/>
-      </p:ext>
-    </p:extLst>
-  </p:cSld>
-  <p:clrMapOvr>
-    <a:masterClrMapping/>
-  </p:clrMapOvr>
-</p:notes>
-</file>
-
-<file path=ppt/notesSlides/notesSlide14.xml><?xml version="1.0" encoding="utf-8"?>
-<p:notes xmlns:a="http://schemas.openxmlformats.org/drawingml/2006/main" xmlns:r="http://schemas.openxmlformats.org/officeDocument/2006/relationships" xmlns:p="http://schemas.openxmlformats.org/presentationml/2006/main">
-  <p:cSld>
-    <p:spTree>
-      <p:nvGrpSpPr>
-        <p:cNvPr id="1" name=""/>
-        <p:cNvGrpSpPr/>
-        <p:nvPr/>
-      </p:nvGrpSpPr>
-      <p:grpSpPr>
-        <a:xfrm>
-          <a:off x="0" y="0"/>
-          <a:ext cx="0" cy="0"/>
-          <a:chOff x="0" y="0"/>
-          <a:chExt cx="0" cy="0"/>
-        </a:xfrm>
-      </p:grpSpPr>
-      <p:sp>
-        <p:nvSpPr>
-          <p:cNvPr id="2" name="投影片圖像版面配置區 1"/>
-          <p:cNvSpPr>
-            <a:spLocks noGrp="1" noRot="1" noChangeAspect="1"/>
-          </p:cNvSpPr>
-          <p:nvPr>
-            <p:ph type="sldImg"/>
-          </p:nvPr>
-        </p:nvSpPr>
-        <p:spPr/>
-      </p:sp>
-      <p:sp>
-        <p:nvSpPr>
-          <p:cNvPr id="3" name="備忘稿版面配置區 2"/>
-          <p:cNvSpPr>
-            <a:spLocks noGrp="1"/>
-          </p:cNvSpPr>
-          <p:nvPr>
-            <p:ph type="body" idx="1"/>
-          </p:nvPr>
-        </p:nvSpPr>
-        <p:spPr/>
-        <p:txBody>
-          <a:bodyPr/>
-          <a:lstStyle/>
-          <a:p>
-            <a:endParaRPr lang="zh-TW" altLang="en-US" dirty="0"/>
-          </a:p>
-        </p:txBody>
-      </p:sp>
-      <p:sp>
-        <p:nvSpPr>
-          <p:cNvPr id="4" name="投影片編號版面配置區 3"/>
-          <p:cNvSpPr>
-            <a:spLocks noGrp="1"/>
-          </p:cNvSpPr>
-          <p:nvPr>
-            <p:ph type="sldNum" sz="quarter" idx="10"/>
-          </p:nvPr>
-        </p:nvSpPr>
-        <p:spPr/>
-        <p:txBody>
-          <a:bodyPr/>
-          <a:lstStyle/>
-          <a:p>
-            <a:fld id="{9B26CD33-4337-4529-948A-94F6960B2374}" type="slidenum">
-              <a:rPr lang="en-US" smtClean="0"/>
-              <a:pPr/>
-              <a:t>15</a:t>
-            </a:fld>
-            <a:endParaRPr lang="en-US" dirty="0"/>
-          </a:p>
-        </p:txBody>
-      </p:sp>
-    </p:spTree>
-    <p:extLst>
-      <p:ext uri="{BB962C8B-B14F-4D97-AF65-F5344CB8AC3E}">
-        <p14:creationId xmlns:p14="http://schemas.microsoft.com/office/powerpoint/2010/main" val="2179279950"/>
-      </p:ext>
-    </p:extLst>
-  </p:cSld>
-  <p:clrMapOvr>
-    <a:masterClrMapping/>
-  </p:clrMapOvr>
-</p:notes>
-</file>
-
-<file path=ppt/notesSlides/notesSlide15.xml><?xml version="1.0" encoding="utf-8"?>
-<p:notes xmlns:a="http://schemas.openxmlformats.org/drawingml/2006/main" xmlns:r="http://schemas.openxmlformats.org/officeDocument/2006/relationships" xmlns:p="http://schemas.openxmlformats.org/presentationml/2006/main">
-  <p:cSld>
-    <p:spTree>
-      <p:nvGrpSpPr>
-        <p:cNvPr id="1" name=""/>
-        <p:cNvGrpSpPr/>
-        <p:nvPr/>
-      </p:nvGrpSpPr>
-      <p:grpSpPr>
-        <a:xfrm>
-          <a:off x="0" y="0"/>
-          <a:ext cx="0" cy="0"/>
-          <a:chOff x="0" y="0"/>
-          <a:chExt cx="0" cy="0"/>
-        </a:xfrm>
-      </p:grpSpPr>
-      <p:sp>
-        <p:nvSpPr>
-          <p:cNvPr id="2" name="投影片圖像版面配置區 1"/>
-          <p:cNvSpPr>
-            <a:spLocks noGrp="1" noRot="1" noChangeAspect="1"/>
-          </p:cNvSpPr>
-          <p:nvPr>
-            <p:ph type="sldImg"/>
-          </p:nvPr>
-        </p:nvSpPr>
-        <p:spPr/>
-      </p:sp>
-      <p:sp>
-        <p:nvSpPr>
-          <p:cNvPr id="3" name="備忘稿版面配置區 2"/>
-          <p:cNvSpPr>
-            <a:spLocks noGrp="1"/>
-          </p:cNvSpPr>
-          <p:nvPr>
-            <p:ph type="body" idx="1"/>
-          </p:nvPr>
-        </p:nvSpPr>
-        <p:spPr/>
-        <p:txBody>
-          <a:bodyPr/>
-          <a:lstStyle/>
-          <a:p>
-            <a:endParaRPr lang="zh-TW" altLang="en-US" dirty="0"/>
-          </a:p>
-        </p:txBody>
-      </p:sp>
-      <p:sp>
-        <p:nvSpPr>
-          <p:cNvPr id="4" name="投影片編號版面配置區 3"/>
-          <p:cNvSpPr>
-            <a:spLocks noGrp="1"/>
-          </p:cNvSpPr>
-          <p:nvPr>
-            <p:ph type="sldNum" sz="quarter" idx="10"/>
-          </p:nvPr>
-        </p:nvSpPr>
-        <p:spPr/>
-        <p:txBody>
-          <a:bodyPr/>
-          <a:lstStyle/>
-          <a:p>
-            <a:fld id="{9B26CD33-4337-4529-948A-94F6960B2374}" type="slidenum">
-              <a:rPr lang="en-US" smtClean="0"/>
-              <a:pPr/>
-              <a:t>16</a:t>
-            </a:fld>
-            <a:endParaRPr lang="en-US" dirty="0"/>
-          </a:p>
-        </p:txBody>
-      </p:sp>
-    </p:spTree>
-    <p:extLst>
-      <p:ext uri="{BB962C8B-B14F-4D97-AF65-F5344CB8AC3E}">
-        <p14:creationId xmlns:p14="http://schemas.microsoft.com/office/powerpoint/2010/main" val="2913746735"/>
-      </p:ext>
-    </p:extLst>
-  </p:cSld>
-  <p:clrMapOvr>
-    <a:masterClrMapping/>
-  </p:clrMapOvr>
-</p:notes>
-</file>
-
-<file path=ppt/notesSlides/notesSlide16.xml><?xml version="1.0" encoding="utf-8"?>
-<p:notes xmlns:a="http://schemas.openxmlformats.org/drawingml/2006/main" xmlns:r="http://schemas.openxmlformats.org/officeDocument/2006/relationships" xmlns:p="http://schemas.openxmlformats.org/presentationml/2006/main">
-  <p:cSld>
-    <p:spTree>
-      <p:nvGrpSpPr>
-        <p:cNvPr id="1" name=""/>
-        <p:cNvGrpSpPr/>
-        <p:nvPr/>
-      </p:nvGrpSpPr>
-      <p:grpSpPr>
-        <a:xfrm>
-          <a:off x="0" y="0"/>
-          <a:ext cx="0" cy="0"/>
-          <a:chOff x="0" y="0"/>
-          <a:chExt cx="0" cy="0"/>
-        </a:xfrm>
-      </p:grpSpPr>
-      <p:sp>
-        <p:nvSpPr>
-          <p:cNvPr id="2" name="投影片圖像版面配置區 1"/>
-          <p:cNvSpPr>
-            <a:spLocks noGrp="1" noRot="1" noChangeAspect="1"/>
-          </p:cNvSpPr>
-          <p:nvPr>
-            <p:ph type="sldImg"/>
-          </p:nvPr>
-        </p:nvSpPr>
-        <p:spPr/>
-      </p:sp>
-      <p:sp>
-        <p:nvSpPr>
-          <p:cNvPr id="3" name="備忘稿版面配置區 2"/>
-          <p:cNvSpPr>
-            <a:spLocks noGrp="1"/>
-          </p:cNvSpPr>
-          <p:nvPr>
-            <p:ph type="body" idx="1"/>
-          </p:nvPr>
-        </p:nvSpPr>
-        <p:spPr/>
-        <p:txBody>
-          <a:bodyPr/>
-          <a:lstStyle/>
-          <a:p>
-            <a:endParaRPr lang="zh-TW" altLang="en-US" dirty="0"/>
-          </a:p>
-        </p:txBody>
-      </p:sp>
-      <p:sp>
-        <p:nvSpPr>
-          <p:cNvPr id="4" name="投影片編號版面配置區 3"/>
-          <p:cNvSpPr>
-            <a:spLocks noGrp="1"/>
-          </p:cNvSpPr>
-          <p:nvPr>
-            <p:ph type="sldNum" sz="quarter" idx="10"/>
-          </p:nvPr>
-        </p:nvSpPr>
-        <p:spPr/>
-        <p:txBody>
-          <a:bodyPr/>
-          <a:lstStyle/>
-          <a:p>
-            <a:fld id="{9B26CD33-4337-4529-948A-94F6960B2374}" type="slidenum">
-              <a:rPr lang="en-US" smtClean="0"/>
-              <a:pPr/>
-              <a:t>17</a:t>
-            </a:fld>
-            <a:endParaRPr lang="en-US" dirty="0"/>
-          </a:p>
-        </p:txBody>
-      </p:sp>
-    </p:spTree>
-    <p:extLst>
-      <p:ext uri="{BB962C8B-B14F-4D97-AF65-F5344CB8AC3E}">
-        <p14:creationId xmlns:p14="http://schemas.microsoft.com/office/powerpoint/2010/main" val="2531015915"/>
-      </p:ext>
-    </p:extLst>
-  </p:cSld>
-  <p:clrMapOvr>
-    <a:masterClrMapping/>
-  </p:clrMapOvr>
-</p:notes>
-</file>
-
-<file path=ppt/notesSlides/notesSlide17.xml><?xml version="1.0" encoding="utf-8"?>
-<p:notes xmlns:a="http://schemas.openxmlformats.org/drawingml/2006/main" xmlns:r="http://schemas.openxmlformats.org/officeDocument/2006/relationships" xmlns:p="http://schemas.openxmlformats.org/presentationml/2006/main">
-  <p:cSld>
-    <p:spTree>
-      <p:nvGrpSpPr>
-        <p:cNvPr id="1" name=""/>
-        <p:cNvGrpSpPr/>
-        <p:nvPr/>
-      </p:nvGrpSpPr>
-      <p:grpSpPr>
-        <a:xfrm>
-          <a:off x="0" y="0"/>
-          <a:ext cx="0" cy="0"/>
-          <a:chOff x="0" y="0"/>
-          <a:chExt cx="0" cy="0"/>
-        </a:xfrm>
-      </p:grpSpPr>
-      <p:sp>
-        <p:nvSpPr>
-          <p:cNvPr id="2" name="投影片圖像版面配置區 1"/>
-          <p:cNvSpPr>
-            <a:spLocks noGrp="1" noRot="1" noChangeAspect="1"/>
-          </p:cNvSpPr>
-          <p:nvPr>
-            <p:ph type="sldImg"/>
-          </p:nvPr>
-        </p:nvSpPr>
-        <p:spPr/>
-      </p:sp>
-      <p:sp>
-        <p:nvSpPr>
-          <p:cNvPr id="3" name="備忘稿版面配置區 2"/>
-          <p:cNvSpPr>
-            <a:spLocks noGrp="1"/>
-          </p:cNvSpPr>
-          <p:nvPr>
-            <p:ph type="body" idx="1"/>
-          </p:nvPr>
-        </p:nvSpPr>
-        <p:spPr/>
-        <p:txBody>
-          <a:bodyPr/>
-          <a:lstStyle/>
-          <a:p>
-            <a:endParaRPr lang="zh-TW" altLang="en-US" dirty="0"/>
-          </a:p>
-        </p:txBody>
-      </p:sp>
-      <p:sp>
-        <p:nvSpPr>
-          <p:cNvPr id="4" name="投影片編號版面配置區 3"/>
-          <p:cNvSpPr>
-            <a:spLocks noGrp="1"/>
-          </p:cNvSpPr>
-          <p:nvPr>
-            <p:ph type="sldNum" sz="quarter" idx="10"/>
-          </p:nvPr>
-        </p:nvSpPr>
-        <p:spPr/>
-        <p:txBody>
-          <a:bodyPr/>
-          <a:lstStyle/>
-          <a:p>
-            <a:fld id="{9B26CD33-4337-4529-948A-94F6960B2374}" type="slidenum">
-              <a:rPr lang="en-US" smtClean="0"/>
-              <a:pPr/>
-              <a:t>18</a:t>
-            </a:fld>
-            <a:endParaRPr lang="en-US" dirty="0"/>
-          </a:p>
-        </p:txBody>
-      </p:sp>
-    </p:spTree>
-    <p:extLst>
-      <p:ext uri="{BB962C8B-B14F-4D97-AF65-F5344CB8AC3E}">
-        <p14:creationId xmlns:p14="http://schemas.microsoft.com/office/powerpoint/2010/main" val="763947392"/>
-      </p:ext>
-    </p:extLst>
-  </p:cSld>
-  <p:clrMapOvr>
-    <a:masterClrMapping/>
-  </p:clrMapOvr>
-</p:notes>
-</file>
-
-<file path=ppt/notesSlides/notesSlide18.xml><?xml version="1.0" encoding="utf-8"?>
-<p:notes xmlns:a="http://schemas.openxmlformats.org/drawingml/2006/main" xmlns:r="http://schemas.openxmlformats.org/officeDocument/2006/relationships" xmlns:p="http://schemas.openxmlformats.org/presentationml/2006/main">
-  <p:cSld>
-    <p:spTree>
-      <p:nvGrpSpPr>
-        <p:cNvPr id="1" name=""/>
-        <p:cNvGrpSpPr/>
-        <p:nvPr/>
-      </p:nvGrpSpPr>
-      <p:grpSpPr>
-        <a:xfrm>
-          <a:off x="0" y="0"/>
-          <a:ext cx="0" cy="0"/>
-          <a:chOff x="0" y="0"/>
-          <a:chExt cx="0" cy="0"/>
-        </a:xfrm>
-      </p:grpSpPr>
-      <p:sp>
-        <p:nvSpPr>
-          <p:cNvPr id="2" name="投影片圖像版面配置區 1"/>
-          <p:cNvSpPr>
-            <a:spLocks noGrp="1" noRot="1" noChangeAspect="1"/>
-          </p:cNvSpPr>
-          <p:nvPr>
-            <p:ph type="sldImg"/>
-          </p:nvPr>
-        </p:nvSpPr>
-        <p:spPr/>
-      </p:sp>
-      <p:sp>
-        <p:nvSpPr>
-          <p:cNvPr id="3" name="備忘稿版面配置區 2"/>
-          <p:cNvSpPr>
-            <a:spLocks noGrp="1"/>
-          </p:cNvSpPr>
-          <p:nvPr>
-            <p:ph type="body" idx="1"/>
-          </p:nvPr>
-        </p:nvSpPr>
-        <p:spPr/>
-        <p:txBody>
-          <a:bodyPr/>
-          <a:lstStyle/>
-          <a:p>
-            <a:endParaRPr lang="zh-TW" altLang="en-US" dirty="0"/>
-          </a:p>
-        </p:txBody>
-      </p:sp>
-      <p:sp>
-        <p:nvSpPr>
-          <p:cNvPr id="4" name="投影片編號版面配置區 3"/>
-          <p:cNvSpPr>
-            <a:spLocks noGrp="1"/>
-          </p:cNvSpPr>
-          <p:nvPr>
-            <p:ph type="sldNum" sz="quarter" idx="10"/>
-          </p:nvPr>
-        </p:nvSpPr>
-        <p:spPr/>
-        <p:txBody>
-          <a:bodyPr/>
-          <a:lstStyle/>
-          <a:p>
-            <a:fld id="{9B26CD33-4337-4529-948A-94F6960B2374}" type="slidenum">
-              <a:rPr lang="en-US" smtClean="0"/>
-              <a:pPr/>
-              <a:t>19</a:t>
-            </a:fld>
-            <a:endParaRPr lang="en-US" dirty="0"/>
-          </a:p>
-        </p:txBody>
-      </p:sp>
-    </p:spTree>
-    <p:extLst>
-      <p:ext uri="{BB962C8B-B14F-4D97-AF65-F5344CB8AC3E}">
-        <p14:creationId xmlns:p14="http://schemas.microsoft.com/office/powerpoint/2010/main" val="4176042193"/>
-      </p:ext>
-    </p:extLst>
-  </p:cSld>
-  <p:clrMapOvr>
-    <a:masterClrMapping/>
-  </p:clrMapOvr>
-</p:notes>
-</file>
-
-<file path=ppt/notesSlides/notesSlide19.xml><?xml version="1.0" encoding="utf-8"?>
-<p:notes xmlns:a="http://schemas.openxmlformats.org/drawingml/2006/main" xmlns:r="http://schemas.openxmlformats.org/officeDocument/2006/relationships" xmlns:p="http://schemas.openxmlformats.org/presentationml/2006/main">
-  <p:cSld>
-    <p:spTree>
-      <p:nvGrpSpPr>
-        <p:cNvPr id="1" name=""/>
-        <p:cNvGrpSpPr/>
-        <p:nvPr/>
-      </p:nvGrpSpPr>
-      <p:grpSpPr>
-        <a:xfrm>
-          <a:off x="0" y="0"/>
-          <a:ext cx="0" cy="0"/>
-          <a:chOff x="0" y="0"/>
-          <a:chExt cx="0" cy="0"/>
-        </a:xfrm>
-      </p:grpSpPr>
-      <p:sp>
-        <p:nvSpPr>
-          <p:cNvPr id="2" name="投影片圖像版面配置區 1"/>
-          <p:cNvSpPr>
-            <a:spLocks noGrp="1" noRot="1" noChangeAspect="1"/>
-          </p:cNvSpPr>
-          <p:nvPr>
-            <p:ph type="sldImg"/>
-          </p:nvPr>
-        </p:nvSpPr>
-        <p:spPr/>
-      </p:sp>
-      <p:sp>
-        <p:nvSpPr>
-          <p:cNvPr id="3" name="備忘稿版面配置區 2"/>
-          <p:cNvSpPr>
-            <a:spLocks noGrp="1"/>
-          </p:cNvSpPr>
-          <p:nvPr>
-            <p:ph type="body" idx="1"/>
-          </p:nvPr>
-        </p:nvSpPr>
-        <p:spPr/>
-        <p:txBody>
-          <a:bodyPr/>
-          <a:lstStyle/>
-          <a:p>
-            <a:endParaRPr lang="zh-TW" altLang="en-US" dirty="0"/>
-          </a:p>
-        </p:txBody>
-      </p:sp>
-      <p:sp>
-        <p:nvSpPr>
-          <p:cNvPr id="4" name="投影片編號版面配置區 3"/>
-          <p:cNvSpPr>
-            <a:spLocks noGrp="1"/>
-          </p:cNvSpPr>
-          <p:nvPr>
-            <p:ph type="sldNum" sz="quarter" idx="10"/>
-          </p:nvPr>
-        </p:nvSpPr>
-        <p:spPr/>
-        <p:txBody>
-          <a:bodyPr/>
-          <a:lstStyle/>
-          <a:p>
-            <a:fld id="{9B26CD33-4337-4529-948A-94F6960B2374}" type="slidenum">
-              <a:rPr lang="en-US" smtClean="0"/>
-              <a:pPr/>
-              <a:t>20</a:t>
+              <a:t>13</a:t>
             </a:fld>
             <a:endParaRPr lang="en-US" dirty="0"/>
           </a:p>
@@ -2296,7 +1779,7 @@
     </p:spTree>
     <p:extLst>
       <p:ext uri="{BB962C8B-B14F-4D97-AF65-F5344CB8AC3E}">
-        <p14:creationId xmlns:p14="http://schemas.microsoft.com/office/powerpoint/2010/main" val="652512716"/>
+        <p14:creationId xmlns:p14="http://schemas.microsoft.com/office/powerpoint/2010/main" val="2913746735"/>
       </p:ext>
     </p:extLst>
   </p:cSld>
@@ -2614,7 +2097,7 @@
                 </a:solidFill>
               </a:rPr>
               <a:pPr/>
-              <a:t>3/29/2024</a:t>
+              <a:t>4/11/2024</a:t>
             </a:fld>
             <a:endParaRPr kumimoji="0" lang="en-US" dirty="0"/>
           </a:p>
@@ -3005,7 +2488,7 @@
                 </a:solidFill>
               </a:rPr>
               <a:pPr/>
-              <a:t>3/29/2024</a:t>
+              <a:t>4/11/2024</a:t>
             </a:fld>
             <a:endParaRPr kumimoji="0" lang="en-US" dirty="0"/>
           </a:p>
@@ -3340,7 +2823,7 @@
                 </a:solidFill>
               </a:rPr>
               <a:pPr/>
-              <a:t>3/29/2024</a:t>
+              <a:t>4/11/2024</a:t>
             </a:fld>
             <a:endParaRPr kumimoji="0" lang="en-US" dirty="0"/>
           </a:p>
@@ -3916,7 +3399,7 @@
                 </a:solidFill>
               </a:rPr>
               <a:pPr/>
-              <a:t>3/29/2024</a:t>
+              <a:t>4/11/2024</a:t>
             </a:fld>
             <a:endParaRPr kumimoji="0" lang="en-US" dirty="0"/>
           </a:p>
@@ -4480,7 +3963,7 @@
                 </a:solidFill>
               </a:rPr>
               <a:pPr/>
-              <a:t>3/29/2024</a:t>
+              <a:t>4/11/2024</a:t>
             </a:fld>
             <a:endParaRPr kumimoji="0" lang="en-US" dirty="0"/>
           </a:p>
@@ -4939,7 +4422,7 @@
                 </a:solidFill>
               </a:rPr>
               <a:pPr/>
-              <a:t>3/29/2024</a:t>
+              <a:t>4/11/2024</a:t>
             </a:fld>
             <a:endParaRPr kumimoji="0" lang="en-US" dirty="0"/>
           </a:p>
@@ -5363,7 +4846,7 @@
                 </a:solidFill>
               </a:rPr>
               <a:pPr/>
-              <a:t>3/29/2024</a:t>
+              <a:t>4/11/2024</a:t>
             </a:fld>
             <a:endParaRPr kumimoji="0" lang="en-US" dirty="0"/>
           </a:p>
@@ -5867,7 +5350,7 @@
                 </a:solidFill>
               </a:rPr>
               <a:pPr/>
-              <a:t>3/29/2024</a:t>
+              <a:t>4/11/2024</a:t>
             </a:fld>
             <a:endParaRPr kumimoji="0" lang="en-US" dirty="0"/>
           </a:p>
@@ -6371,7 +5854,7 @@
                 </a:solidFill>
               </a:rPr>
               <a:pPr/>
-              <a:t>3/29/2024</a:t>
+              <a:t>4/11/2024</a:t>
             </a:fld>
             <a:endParaRPr kumimoji="0" lang="en-US" dirty="0"/>
           </a:p>
@@ -6587,7 +6070,7 @@
                 </a:solidFill>
               </a:rPr>
               <a:pPr/>
-              <a:t>3/29/2024</a:t>
+              <a:t>4/11/2024</a:t>
             </a:fld>
             <a:endParaRPr kumimoji="0" lang="en-US" dirty="0"/>
           </a:p>
@@ -6915,7 +6398,7 @@
                 </a:solidFill>
               </a:rPr>
               <a:pPr/>
-              <a:t>3/29/2024</a:t>
+              <a:t>4/11/2024</a:t>
             </a:fld>
             <a:endParaRPr kumimoji="0" lang="en-US" dirty="0"/>
           </a:p>
@@ -7141,7 +6624,7 @@
                 </a:solidFill>
               </a:rPr>
               <a:pPr/>
-              <a:t>3/29/2024</a:t>
+              <a:t>4/11/2024</a:t>
             </a:fld>
             <a:endParaRPr kumimoji="0" lang="en-US" dirty="0"/>
           </a:p>
@@ -7360,7 +6843,7 @@
                 </a:solidFill>
               </a:rPr>
               <a:pPr/>
-              <a:t>3/29/2024</a:t>
+              <a:t>4/11/2024</a:t>
             </a:fld>
             <a:endParaRPr kumimoji="0" lang="en-US" dirty="0"/>
           </a:p>
@@ -7536,7 +7019,7 @@
             <a:fld id="{ACB2EC6F-6501-4E04-BD6C-A8A6CABB2C5B}" type="datetimeFigureOut">
               <a:rPr kumimoji="0" lang="en-US" smtClean="0"/>
               <a:pPr/>
-              <a:t>3/29/2024</a:t>
+              <a:t>4/11/2024</a:t>
             </a:fld>
             <a:endParaRPr kumimoji="0" lang="en-US" dirty="0"/>
           </a:p>
@@ -7781,7 +7264,7 @@
                 </a:solidFill>
               </a:rPr>
               <a:pPr/>
-              <a:t>3/29/2024</a:t>
+              <a:t>4/11/2024</a:t>
             </a:fld>
             <a:endParaRPr kumimoji="0" lang="en-US" dirty="0"/>
           </a:p>
@@ -8253,7 +7736,7 @@
                 </a:solidFill>
               </a:rPr>
               <a:pPr/>
-              <a:t>3/29/2024</a:t>
+              <a:t>4/11/2024</a:t>
             </a:fld>
             <a:endParaRPr kumimoji="0" lang="en-US" dirty="0"/>
           </a:p>
@@ -8605,7 +8088,7 @@
                 </a:solidFill>
               </a:rPr>
               <a:pPr/>
-              <a:t>3/29/2024</a:t>
+              <a:t>4/11/2024</a:t>
             </a:fld>
             <a:endParaRPr kumimoji="0" lang="en-US" dirty="0"/>
           </a:p>
@@ -8963,7 +8446,7 @@
                 </a:solidFill>
               </a:rPr>
               <a:pPr/>
-              <a:t>3/29/2024</a:t>
+              <a:t>4/11/2024</a:t>
             </a:fld>
             <a:endParaRPr kumimoji="0" lang="en-US" dirty="0"/>
           </a:p>
@@ -9268,7 +8751,7 @@
                 </a:solidFill>
               </a:rPr>
               <a:pPr/>
-              <a:t>3/29/2024</a:t>
+              <a:t>4/11/2024</a:t>
             </a:fld>
             <a:endParaRPr kumimoji="0" lang="en-US" dirty="0"/>
           </a:p>
@@ -9744,7 +9227,7 @@
                 </a:solidFill>
               </a:rPr>
               <a:pPr/>
-              <a:t>3/29/2024</a:t>
+              <a:t>4/11/2024</a:t>
             </a:fld>
             <a:endParaRPr kumimoji="0" lang="en-US" dirty="0"/>
           </a:p>
@@ -9981,7 +9464,7 @@
                 </a:solidFill>
               </a:rPr>
               <a:pPr/>
-              <a:t>3/29/2024</a:t>
+              <a:t>4/11/2024</a:t>
             </a:fld>
             <a:endParaRPr kumimoji="0" lang="en-US" sz="1200" dirty="0">
               <a:solidFill>
@@ -10636,8 +10119,8 @@
         </p:nvSpPr>
         <p:spPr>
           <a:xfrm>
-            <a:off x="609600" y="1447800"/>
-            <a:ext cx="8077200" cy="5509200"/>
+            <a:off x="685800" y="1828800"/>
+            <a:ext cx="8077200" cy="3046988"/>
           </a:xfrm>
           <a:prstGeom prst="rect">
             <a:avLst/>
@@ -10655,25 +10138,24 @@
               <a:buChar char="•"/>
             </a:pPr>
             <a:r>
+              <a:rPr lang="en-US" altLang="zh-TW" sz="3200" dirty="0">
+                <a:latin typeface="微軟正黑體" panose="020B0604030504040204" pitchFamily="34" charset="-120"/>
+                <a:ea typeface="微軟正黑體" panose="020B0604030504040204" pitchFamily="34" charset="-120"/>
+              </a:rPr>
+              <a:t>end-to-end pipeline</a:t>
+            </a:r>
+          </a:p>
+          <a:p>
+            <a:pPr marL="514350" indent="-514350">
+              <a:buFont typeface="Arial" panose="020B0604020202020204" pitchFamily="34" charset="0"/>
+              <a:buChar char="•"/>
+            </a:pPr>
+            <a:r>
               <a:rPr lang="zh-TW" altLang="en-US" sz="3200" dirty="0">
                 <a:latin typeface="微軟正黑體" panose="020B0604030504040204" pitchFamily="34" charset="-120"/>
                 <a:ea typeface="微軟正黑體" panose="020B0604030504040204" pitchFamily="34" charset="-120"/>
               </a:rPr>
-              <a:t>同時使用 </a:t>
-            </a:r>
-            <a:r>
-              <a:rPr lang="en-US" altLang="zh-TW" sz="3200" dirty="0">
-                <a:latin typeface="微軟正黑體" panose="020B0604030504040204" pitchFamily="34" charset="-120"/>
-                <a:ea typeface="微軟正黑體" panose="020B0604030504040204" pitchFamily="34" charset="-120"/>
-              </a:rPr>
-              <a:t>Transformer </a:t>
-            </a:r>
-            <a:r>
-              <a:rPr lang="zh-TW" altLang="en-US" sz="3200" dirty="0">
-                <a:latin typeface="微軟正黑體" panose="020B0604030504040204" pitchFamily="34" charset="-120"/>
-                <a:ea typeface="微軟正黑體" panose="020B0604030504040204" pitchFamily="34" charset="-120"/>
-              </a:rPr>
-              <a:t>架構的編碼器和解碼器</a:t>
+              <a:t>分詞預處理</a:t>
             </a:r>
             <a:endParaRPr lang="en-US" altLang="zh-TW" sz="3200" dirty="0">
               <a:latin typeface="微軟正黑體" panose="020B0604030504040204" pitchFamily="34" charset="-120"/>
@@ -10690,7 +10172,7 @@
                 <a:latin typeface="微軟正黑體" panose="020B0604030504040204" pitchFamily="34" charset="-120"/>
                 <a:ea typeface="微軟正黑體" panose="020B0604030504040204" pitchFamily="34" charset="-120"/>
               </a:rPr>
-              <a:t>編碼器的注意力層可以存取初始句子中的所有單詞，而解碼器的注意力層只能存取位於輸入中將要預測單詞前面的單詞</a:t>
+              <a:t>模型</a:t>
             </a:r>
             <a:endParaRPr lang="en-US" altLang="zh-TW" sz="3200" dirty="0">
               <a:latin typeface="微軟正黑體" panose="020B0604030504040204" pitchFamily="34" charset="-120"/>
@@ -10707,21 +10189,7 @@
                 <a:latin typeface="微軟正黑體" panose="020B0604030504040204" pitchFamily="34" charset="-120"/>
                 <a:ea typeface="微軟正黑體" panose="020B0604030504040204" pitchFamily="34" charset="-120"/>
               </a:rPr>
-              <a:t>預訓練用訓練編碼器或解碼器，通常更複雜。如</a:t>
-            </a:r>
-            <a:r>
-              <a:rPr lang="en-US" altLang="zh-TW" sz="3200" dirty="0">
-                <a:latin typeface="微軟正黑體" panose="020B0604030504040204" pitchFamily="34" charset="-120"/>
-                <a:ea typeface="微軟正黑體" panose="020B0604030504040204" pitchFamily="34" charset="-120"/>
-              </a:rPr>
-              <a:t>T5</a:t>
-            </a:r>
-            <a:r>
-              <a:rPr lang="zh-TW" altLang="en-US" sz="3200" dirty="0">
-                <a:latin typeface="微軟正黑體" panose="020B0604030504040204" pitchFamily="34" charset="-120"/>
-                <a:ea typeface="微軟正黑體" panose="020B0604030504040204" pitchFamily="34" charset="-120"/>
-              </a:rPr>
-              <a:t>將文字的隨機跨度（可以包含多個單詞）替換爲單個特殊單詞預訓練，然後目標是預測該掩碼單詞替換的文字</a:t>
+              <a:t>高維向量</a:t>
             </a:r>
             <a:endParaRPr lang="en-US" altLang="zh-TW" sz="3200" dirty="0">
               <a:latin typeface="微軟正黑體" panose="020B0604030504040204" pitchFamily="34" charset="-120"/>
@@ -10738,13 +10206,30 @@
                 <a:latin typeface="微軟正黑體" panose="020B0604030504040204" pitchFamily="34" charset="-120"/>
                 <a:ea typeface="微軟正黑體" panose="020B0604030504040204" pitchFamily="34" charset="-120"/>
               </a:rPr>
-              <a:t>適合給定輸入生成新句子的任務，如摘要、翻譯或生成性問答</a:t>
+              <a:t>模型頭</a:t>
             </a:r>
             <a:endParaRPr lang="en-US" altLang="zh-TW" sz="3200" dirty="0">
               <a:latin typeface="微軟正黑體" panose="020B0604030504040204" pitchFamily="34" charset="-120"/>
               <a:ea typeface="微軟正黑體" panose="020B0604030504040204" pitchFamily="34" charset="-120"/>
             </a:endParaRPr>
           </a:p>
+          <a:p>
+            <a:pPr marL="514350" indent="-514350">
+              <a:buFont typeface="Arial" panose="020B0604020202020204" pitchFamily="34" charset="0"/>
+              <a:buChar char="•"/>
+            </a:pPr>
+            <a:r>
+              <a:rPr lang="zh-TW" altLang="en-US" sz="3200" dirty="0">
+                <a:latin typeface="微軟正黑體" panose="020B0604030504040204" pitchFamily="34" charset="-120"/>
+                <a:ea typeface="微軟正黑體" panose="020B0604030504040204" pitchFamily="34" charset="-120"/>
+              </a:rPr>
+              <a:t>輸出後處理</a:t>
+            </a:r>
+            <a:endParaRPr lang="en-US" altLang="zh-TW" sz="3200" dirty="0">
+              <a:latin typeface="微軟正黑體" panose="020B0604030504040204" pitchFamily="34" charset="-120"/>
+              <a:ea typeface="微軟正黑體" panose="020B0604030504040204" pitchFamily="34" charset="-120"/>
+            </a:endParaRPr>
+          </a:p>
         </p:txBody>
       </p:sp>
       <p:sp>
@@ -10757,8 +10242,8 @@
         </p:nvSpPr>
         <p:spPr>
           <a:xfrm>
-            <a:off x="1905000" y="228600"/>
-            <a:ext cx="5791200" cy="990600"/>
+            <a:off x="1295400" y="304800"/>
+            <a:ext cx="6477000" cy="990600"/>
           </a:xfrm>
           <a:prstGeom prst="rect">
             <a:avLst/>
@@ -10787,6 +10272,29 @@
               <a:tabLst/>
               <a:defRPr/>
             </a:pPr>
+            <a:r>
+              <a:rPr kumimoji="0" lang="en-US" altLang="zh-TW" sz="4800" b="1" i="0" u="none" strike="noStrike" kern="0" cap="none" spc="0" normalizeH="0" baseline="0" noProof="0" dirty="0">
+                <a:ln>
+                  <a:noFill/>
+                </a:ln>
+                <a:solidFill>
+                  <a:srgbClr val="00B0F0"/>
+                </a:solidFill>
+                <a:effectLst>
+                  <a:outerShdw blurRad="38100" dist="38100" dir="2700000" algn="tl">
+                    <a:srgbClr val="000000">
+                      <a:alpha val="43137"/>
+                    </a:srgbClr>
+                  </a:outerShdw>
+                </a:effectLst>
+                <a:uLnTx/>
+                <a:uFillTx/>
+                <a:latin typeface="微軟正黑體" panose="020B0604030504040204" pitchFamily="34" charset="-120"/>
+                <a:ea typeface="微軟正黑體" panose="020B0604030504040204" pitchFamily="34" charset="-120"/>
+                <a:cs typeface="+mn-cs"/>
+              </a:rPr>
+              <a:t>7. NLP</a:t>
+            </a:r>
             <a:r>
               <a:rPr kumimoji="0" lang="zh-TW" altLang="en-US" sz="4800" b="1" i="0" u="none" strike="noStrike" kern="0" cap="none" spc="0" normalizeH="0" baseline="0" noProof="0" dirty="0">
                 <a:ln>
@@ -10808,7 +10316,7 @@
                 <a:ea typeface="微軟正黑體" panose="020B0604030504040204" pitchFamily="34" charset="-120"/>
                 <a:cs typeface="+mn-cs"/>
               </a:rPr>
-              <a:t>序列到序列模型適用</a:t>
+              <a:t>任務的內部結構</a:t>
             </a:r>
           </a:p>
         </p:txBody>
@@ -10816,7 +10324,7 @@
     </p:spTree>
     <p:extLst>
       <p:ext uri="{BB962C8B-B14F-4D97-AF65-F5344CB8AC3E}">
-        <p14:creationId xmlns:p14="http://schemas.microsoft.com/office/powerpoint/2010/main" val="1321245589"/>
+        <p14:creationId xmlns:p14="http://schemas.microsoft.com/office/powerpoint/2010/main" val="1420312926"/>
       </p:ext>
     </p:extLst>
   </p:cSld>
@@ -10846,45 +10354,83 @@
           <a:chExt cx="0" cy="0"/>
         </a:xfrm>
       </p:grpSpPr>
-      <p:pic>
-        <p:nvPicPr>
-          <p:cNvPr id="3" name="圖片 2">
-            <a:extLst>
-              <a:ext uri="{FF2B5EF4-FFF2-40B4-BE49-F238E27FC236}">
-                <a16:creationId xmlns:a16="http://schemas.microsoft.com/office/drawing/2014/main" id="{A2782473-8886-94FC-29EF-95147751C67D}"/>
-              </a:ext>
-            </a:extLst>
-          </p:cNvPr>
-          <p:cNvPicPr>
-            <a:picLocks noChangeAspect="1"/>
-          </p:cNvPicPr>
+      <p:sp>
+        <p:nvSpPr>
+          <p:cNvPr id="5" name="文字方塊 4"/>
+          <p:cNvSpPr txBox="1"/>
           <p:nvPr/>
-        </p:nvPicPr>
-        <p:blipFill>
-          <a:blip r:embed="rId3"/>
-          <a:stretch>
-            <a:fillRect/>
-          </a:stretch>
-        </p:blipFill>
+        </p:nvSpPr>
         <p:spPr>
           <a:xfrm>
-            <a:off x="1219200" y="1752600"/>
-            <a:ext cx="6777182" cy="3810000"/>
+            <a:off x="685800" y="1828800"/>
+            <a:ext cx="8077200" cy="1569660"/>
           </a:xfrm>
           <a:prstGeom prst="rect">
             <a:avLst/>
           </a:prstGeom>
+          <a:noFill/>
         </p:spPr>
-      </p:pic>
-      <p:sp>
-        <p:nvSpPr>
-          <p:cNvPr id="6" name="文字版面配置區 2">
-            <a:extLst>
-              <a:ext uri="{FF2B5EF4-FFF2-40B4-BE49-F238E27FC236}">
-                <a16:creationId xmlns:a16="http://schemas.microsoft.com/office/drawing/2014/main" id="{A229D8DB-61E4-ACA8-7FE8-6DADE67C33AF}"/>
-              </a:ext>
-            </a:extLst>
-          </p:cNvPr>
+        <p:txBody>
+          <a:bodyPr wrap="square" rtlCol="0">
+            <a:spAutoFit/>
+          </a:bodyPr>
+          <a:lstStyle/>
+          <a:p>
+            <a:pPr marL="514350" indent="-514350">
+              <a:buFont typeface="Arial" panose="020B0604020202020204" pitchFamily="34" charset="0"/>
+              <a:buChar char="•"/>
+            </a:pPr>
+            <a:r>
+              <a:rPr lang="zh-TW" altLang="en-US" sz="3200" dirty="0">
+                <a:latin typeface="微軟正黑體" panose="020B0604030504040204" pitchFamily="34" charset="-120"/>
+                <a:ea typeface="微軟正黑體" panose="020B0604030504040204" pitchFamily="34" charset="-120"/>
+              </a:rPr>
+              <a:t>載入模型設定</a:t>
+            </a:r>
+            <a:endParaRPr lang="en-US" altLang="zh-TW" sz="3200" dirty="0">
+              <a:latin typeface="微軟正黑體" panose="020B0604030504040204" pitchFamily="34" charset="-120"/>
+              <a:ea typeface="微軟正黑體" panose="020B0604030504040204" pitchFamily="34" charset="-120"/>
+            </a:endParaRPr>
+          </a:p>
+          <a:p>
+            <a:pPr marL="514350" indent="-514350">
+              <a:buFont typeface="Arial" panose="020B0604020202020204" pitchFamily="34" charset="0"/>
+              <a:buChar char="•"/>
+            </a:pPr>
+            <a:r>
+              <a:rPr lang="zh-TW" altLang="en-US" sz="3200" dirty="0">
+                <a:latin typeface="微軟正黑體" panose="020B0604030504040204" pitchFamily="34" charset="-120"/>
+                <a:ea typeface="微軟正黑體" panose="020B0604030504040204" pitchFamily="34" charset="-120"/>
+              </a:rPr>
+              <a:t>載入預訓練模型</a:t>
+            </a:r>
+            <a:endParaRPr lang="en-US" altLang="zh-TW" sz="3200" dirty="0">
+              <a:latin typeface="微軟正黑體" panose="020B0604030504040204" pitchFamily="34" charset="-120"/>
+              <a:ea typeface="微軟正黑體" panose="020B0604030504040204" pitchFamily="34" charset="-120"/>
+            </a:endParaRPr>
+          </a:p>
+          <a:p>
+            <a:pPr marL="514350" indent="-514350">
+              <a:buFont typeface="Arial" panose="020B0604020202020204" pitchFamily="34" charset="0"/>
+              <a:buChar char="•"/>
+            </a:pPr>
+            <a:r>
+              <a:rPr lang="zh-TW" altLang="en-US" sz="3200" dirty="0">
+                <a:latin typeface="微軟正黑體" panose="020B0604030504040204" pitchFamily="34" charset="-120"/>
+                <a:ea typeface="微軟正黑體" panose="020B0604030504040204" pitchFamily="34" charset="-120"/>
+              </a:rPr>
+              <a:t>儲存模型</a:t>
+            </a:r>
+            <a:endParaRPr lang="en-US" altLang="zh-TW" sz="3200" dirty="0">
+              <a:latin typeface="微軟正黑體" panose="020B0604030504040204" pitchFamily="34" charset="-120"/>
+              <a:ea typeface="微軟正黑體" panose="020B0604030504040204" pitchFamily="34" charset="-120"/>
+            </a:endParaRPr>
+          </a:p>
+        </p:txBody>
+      </p:sp>
+      <p:sp>
+        <p:nvSpPr>
+          <p:cNvPr id="4" name="文字版面配置區 2"/>
           <p:cNvSpPr txBox="1">
             <a:spLocks/>
           </p:cNvSpPr>
@@ -10892,8 +10438,8 @@
         </p:nvSpPr>
         <p:spPr>
           <a:xfrm>
-            <a:off x="1193470" y="304800"/>
-            <a:ext cx="6019800" cy="990600"/>
+            <a:off x="1295400" y="304800"/>
+            <a:ext cx="6477000" cy="990600"/>
           </a:xfrm>
           <a:prstGeom prst="rect">
             <a:avLst/>
@@ -10922,6 +10468,29 @@
               <a:tabLst/>
               <a:defRPr/>
             </a:pPr>
+            <a:r>
+              <a:rPr kumimoji="0" lang="en-US" altLang="zh-TW" sz="4800" b="1" i="0" u="none" strike="noStrike" kern="0" cap="none" spc="0" normalizeH="0" baseline="0" noProof="0" dirty="0">
+                <a:ln>
+                  <a:noFill/>
+                </a:ln>
+                <a:solidFill>
+                  <a:srgbClr val="00B0F0"/>
+                </a:solidFill>
+                <a:effectLst>
+                  <a:outerShdw blurRad="38100" dist="38100" dir="2700000" algn="tl">
+                    <a:srgbClr val="000000">
+                      <a:alpha val="43137"/>
+                    </a:srgbClr>
+                  </a:outerShdw>
+                </a:effectLst>
+                <a:uLnTx/>
+                <a:uFillTx/>
+                <a:latin typeface="微軟正黑體" panose="020B0604030504040204" pitchFamily="34" charset="-120"/>
+                <a:ea typeface="微軟正黑體" panose="020B0604030504040204" pitchFamily="34" charset="-120"/>
+                <a:cs typeface="+mn-cs"/>
+              </a:rPr>
+              <a:t>8. </a:t>
+            </a:r>
             <a:r>
               <a:rPr kumimoji="0" lang="zh-TW" altLang="en-US" sz="4800" b="1" i="0" u="none" strike="noStrike" kern="0" cap="none" spc="0" normalizeH="0" baseline="0" noProof="0" dirty="0">
                 <a:ln>
@@ -10943,7 +10512,7 @@
                 <a:ea typeface="微軟正黑體" panose="020B0604030504040204" pitchFamily="34" charset="-120"/>
                 <a:cs typeface="+mn-cs"/>
               </a:rPr>
-              <a:t>序列到序列模型範例</a:t>
+              <a:t>模型</a:t>
             </a:r>
           </a:p>
         </p:txBody>
@@ -10951,7 +10520,7 @@
     </p:spTree>
     <p:extLst>
       <p:ext uri="{BB962C8B-B14F-4D97-AF65-F5344CB8AC3E}">
-        <p14:creationId xmlns:p14="http://schemas.microsoft.com/office/powerpoint/2010/main" val="2826020353"/>
+        <p14:creationId xmlns:p14="http://schemas.microsoft.com/office/powerpoint/2010/main" val="2724526929"/>
       </p:ext>
     </p:extLst>
   </p:cSld>
@@ -10981,40 +10550,341 @@
           <a:chExt cx="0" cy="0"/>
         </a:xfrm>
       </p:grpSpPr>
-      <p:pic>
-        <p:nvPicPr>
-          <p:cNvPr id="2" name="圖片 1">
-            <a:extLst>
-              <a:ext uri="{FF2B5EF4-FFF2-40B4-BE49-F238E27FC236}">
-                <a16:creationId xmlns:a16="http://schemas.microsoft.com/office/drawing/2014/main" id="{5C621D55-6C48-6D8D-15AB-241E5332F2D0}"/>
-              </a:ext>
-            </a:extLst>
-          </p:cNvPr>
-          <p:cNvPicPr>
-            <a:picLocks noChangeAspect="1"/>
-          </p:cNvPicPr>
+      <p:sp>
+        <p:nvSpPr>
+          <p:cNvPr id="5" name="文字方塊 4"/>
+          <p:cNvSpPr txBox="1"/>
           <p:nvPr/>
-        </p:nvPicPr>
-        <p:blipFill>
-          <a:blip r:embed="rId2"/>
-          <a:stretch>
-            <a:fillRect/>
-          </a:stretch>
-        </p:blipFill>
+        </p:nvSpPr>
         <p:spPr>
           <a:xfrm>
-            <a:off x="148805" y="1219200"/>
-            <a:ext cx="8846389" cy="4267200"/>
+            <a:off x="685800" y="1828800"/>
+            <a:ext cx="8077200" cy="4524315"/>
+          </a:xfrm>
+          <a:prstGeom prst="rect">
+            <a:avLst/>
+          </a:prstGeom>
+          <a:noFill/>
+        </p:spPr>
+        <p:txBody>
+          <a:bodyPr wrap="square" rtlCol="0">
+            <a:spAutoFit/>
+          </a:bodyPr>
+          <a:lstStyle/>
+          <a:p>
+            <a:pPr marL="514350" indent="-514350">
+              <a:buFont typeface="Arial" panose="020B0604020202020204" pitchFamily="34" charset="0"/>
+              <a:buChar char="•"/>
+            </a:pPr>
+            <a:r>
+              <a:rPr lang="zh-TW" altLang="en-US" sz="3200" dirty="0">
+                <a:latin typeface="微軟正黑體" panose="020B0604030504040204" pitchFamily="34" charset="-120"/>
+                <a:ea typeface="微軟正黑體" panose="020B0604030504040204" pitchFamily="34" charset="-120"/>
+              </a:rPr>
+              <a:t>基於詞的</a:t>
+            </a:r>
+            <a:r>
+              <a:rPr lang="en-US" altLang="zh-TW" sz="3200" dirty="0">
+                <a:latin typeface="微軟正黑體" panose="020B0604030504040204" pitchFamily="34" charset="-120"/>
+                <a:ea typeface="微軟正黑體" panose="020B0604030504040204" pitchFamily="34" charset="-120"/>
+              </a:rPr>
+              <a:t>(Word-based)</a:t>
+            </a:r>
+          </a:p>
+          <a:p>
+            <a:pPr marL="514350" indent="-514350">
+              <a:buFont typeface="Arial" panose="020B0604020202020204" pitchFamily="34" charset="0"/>
+              <a:buChar char="•"/>
+            </a:pPr>
+            <a:r>
+              <a:rPr lang="zh-TW" altLang="en-US" sz="3200" dirty="0">
+                <a:latin typeface="微軟正黑體" panose="020B0604030504040204" pitchFamily="34" charset="-120"/>
+                <a:ea typeface="微軟正黑體" panose="020B0604030504040204" pitchFamily="34" charset="-120"/>
+              </a:rPr>
+              <a:t>基於字符</a:t>
+            </a:r>
+            <a:r>
+              <a:rPr lang="en-US" altLang="zh-TW" sz="3200" dirty="0">
+                <a:latin typeface="微軟正黑體" panose="020B0604030504040204" pitchFamily="34" charset="-120"/>
+                <a:ea typeface="微軟正黑體" panose="020B0604030504040204" pitchFamily="34" charset="-120"/>
+              </a:rPr>
+              <a:t>(Character-based)</a:t>
+            </a:r>
+          </a:p>
+          <a:p>
+            <a:pPr marL="514350" indent="-514350">
+              <a:buFont typeface="Arial" panose="020B0604020202020204" pitchFamily="34" charset="0"/>
+              <a:buChar char="•"/>
+            </a:pPr>
+            <a:r>
+              <a:rPr lang="zh-TW" altLang="en-US" sz="3200" dirty="0">
+                <a:latin typeface="微軟正黑體" panose="020B0604030504040204" pitchFamily="34" charset="-120"/>
+                <a:ea typeface="微軟正黑體" panose="020B0604030504040204" pitchFamily="34" charset="-120"/>
+              </a:rPr>
+              <a:t>子詞標記化</a:t>
+            </a:r>
+            <a:endParaRPr lang="en-US" altLang="zh-TW" sz="3200" dirty="0">
+              <a:latin typeface="微軟正黑體" panose="020B0604030504040204" pitchFamily="34" charset="-120"/>
+              <a:ea typeface="微軟正黑體" panose="020B0604030504040204" pitchFamily="34" charset="-120"/>
+            </a:endParaRPr>
+          </a:p>
+          <a:p>
+            <a:pPr marL="514350" indent="-514350">
+              <a:buFont typeface="Arial" panose="020B0604020202020204" pitchFamily="34" charset="0"/>
+              <a:buChar char="•"/>
+            </a:pPr>
+            <a:r>
+              <a:rPr lang="zh-TW" altLang="en-US" sz="3200" dirty="0">
+                <a:latin typeface="微軟正黑體" panose="020B0604030504040204" pitchFamily="34" charset="-120"/>
+                <a:ea typeface="微軟正黑體" panose="020B0604030504040204" pitchFamily="34" charset="-120"/>
+              </a:rPr>
+              <a:t>其它分詞方式</a:t>
+            </a:r>
+            <a:endParaRPr lang="en-US" altLang="zh-TW" sz="3200" dirty="0">
+              <a:latin typeface="微軟正黑體" panose="020B0604030504040204" pitchFamily="34" charset="-120"/>
+              <a:ea typeface="微軟正黑體" panose="020B0604030504040204" pitchFamily="34" charset="-120"/>
+            </a:endParaRPr>
+          </a:p>
+          <a:p>
+            <a:pPr marL="514350" indent="-514350">
+              <a:buFont typeface="Arial" panose="020B0604020202020204" pitchFamily="34" charset="0"/>
+              <a:buChar char="•"/>
+            </a:pPr>
+            <a:r>
+              <a:rPr lang="zh-TW" altLang="en-US" sz="3200" dirty="0">
+                <a:latin typeface="微軟正黑體" panose="020B0604030504040204" pitchFamily="34" charset="-120"/>
+                <a:ea typeface="微軟正黑體" panose="020B0604030504040204" pitchFamily="34" charset="-120"/>
+              </a:rPr>
+              <a:t>加載和保存</a:t>
+            </a:r>
+            <a:endParaRPr lang="en-US" altLang="zh-TW" sz="3200" dirty="0">
+              <a:latin typeface="微軟正黑體" panose="020B0604030504040204" pitchFamily="34" charset="-120"/>
+              <a:ea typeface="微軟正黑體" panose="020B0604030504040204" pitchFamily="34" charset="-120"/>
+            </a:endParaRPr>
+          </a:p>
+          <a:p>
+            <a:pPr marL="514350" indent="-514350">
+              <a:buFont typeface="Arial" panose="020B0604020202020204" pitchFamily="34" charset="0"/>
+              <a:buChar char="•"/>
+            </a:pPr>
+            <a:r>
+              <a:rPr lang="zh-TW" altLang="en-US" sz="3200" dirty="0">
+                <a:latin typeface="微軟正黑體" panose="020B0604030504040204" pitchFamily="34" charset="-120"/>
+                <a:ea typeface="微軟正黑體" panose="020B0604030504040204" pitchFamily="34" charset="-120"/>
+              </a:rPr>
+              <a:t>編碼</a:t>
+            </a:r>
+            <a:endParaRPr lang="en-US" altLang="zh-TW" sz="3200" dirty="0">
+              <a:latin typeface="微軟正黑體" panose="020B0604030504040204" pitchFamily="34" charset="-120"/>
+              <a:ea typeface="微軟正黑體" panose="020B0604030504040204" pitchFamily="34" charset="-120"/>
+            </a:endParaRPr>
+          </a:p>
+          <a:p>
+            <a:pPr marL="514350" indent="-514350">
+              <a:buFont typeface="Arial" panose="020B0604020202020204" pitchFamily="34" charset="0"/>
+              <a:buChar char="•"/>
+            </a:pPr>
+            <a:r>
+              <a:rPr lang="zh-TW" altLang="en-US" sz="3200" dirty="0">
+                <a:latin typeface="微軟正黑體" panose="020B0604030504040204" pitchFamily="34" charset="-120"/>
+                <a:ea typeface="微軟正黑體" panose="020B0604030504040204" pitchFamily="34" charset="-120"/>
+              </a:rPr>
+              <a:t>標記化</a:t>
+            </a:r>
+            <a:endParaRPr lang="en-US" altLang="zh-TW" sz="3200" dirty="0">
+              <a:latin typeface="微軟正黑體" panose="020B0604030504040204" pitchFamily="34" charset="-120"/>
+              <a:ea typeface="微軟正黑體" panose="020B0604030504040204" pitchFamily="34" charset="-120"/>
+            </a:endParaRPr>
+          </a:p>
+          <a:p>
+            <a:pPr marL="514350" indent="-514350">
+              <a:buFont typeface="Arial" panose="020B0604020202020204" pitchFamily="34" charset="0"/>
+              <a:buChar char="•"/>
+            </a:pPr>
+            <a:r>
+              <a:rPr lang="zh-TW" altLang="en-US" sz="3200" dirty="0">
+                <a:latin typeface="微軟正黑體" panose="020B0604030504040204" pitchFamily="34" charset="-120"/>
+                <a:ea typeface="微軟正黑體" panose="020B0604030504040204" pitchFamily="34" charset="-120"/>
+              </a:rPr>
+              <a:t>從詞符</a:t>
+            </a:r>
+            <a:r>
+              <a:rPr lang="en-US" altLang="zh-TW" sz="3200" dirty="0">
+                <a:latin typeface="微軟正黑體" panose="020B0604030504040204" pitchFamily="34" charset="-120"/>
+                <a:ea typeface="微軟正黑體" panose="020B0604030504040204" pitchFamily="34" charset="-120"/>
+              </a:rPr>
+              <a:t>(token)</a:t>
+            </a:r>
+            <a:r>
+              <a:rPr lang="zh-TW" altLang="en-US" sz="3200" dirty="0">
+                <a:latin typeface="微軟正黑體" panose="020B0604030504040204" pitchFamily="34" charset="-120"/>
+                <a:ea typeface="微軟正黑體" panose="020B0604030504040204" pitchFamily="34" charset="-120"/>
+              </a:rPr>
+              <a:t>到輸入 </a:t>
+            </a:r>
+            <a:r>
+              <a:rPr lang="en-US" altLang="zh-TW" sz="3200" dirty="0">
+                <a:latin typeface="微軟正黑體" panose="020B0604030504040204" pitchFamily="34" charset="-120"/>
+                <a:ea typeface="微軟正黑體" panose="020B0604030504040204" pitchFamily="34" charset="-120"/>
+              </a:rPr>
+              <a:t>ID</a:t>
+            </a:r>
+          </a:p>
+          <a:p>
+            <a:pPr marL="514350" indent="-514350">
+              <a:buFont typeface="Arial" panose="020B0604020202020204" pitchFamily="34" charset="0"/>
+              <a:buChar char="•"/>
+            </a:pPr>
+            <a:r>
+              <a:rPr lang="zh-TW" altLang="en-US" sz="3200" dirty="0">
+                <a:latin typeface="微軟正黑體" panose="020B0604030504040204" pitchFamily="34" charset="-120"/>
+                <a:ea typeface="微軟正黑體" panose="020B0604030504040204" pitchFamily="34" charset="-120"/>
+              </a:rPr>
+              <a:t>解碼</a:t>
+            </a:r>
+            <a:endParaRPr lang="en-US" altLang="zh-TW" sz="3200" dirty="0">
+              <a:latin typeface="微軟正黑體" panose="020B0604030504040204" pitchFamily="34" charset="-120"/>
+              <a:ea typeface="微軟正黑體" panose="020B0604030504040204" pitchFamily="34" charset="-120"/>
+            </a:endParaRPr>
+          </a:p>
+        </p:txBody>
+      </p:sp>
+      <p:sp>
+        <p:nvSpPr>
+          <p:cNvPr id="4" name="文字版面配置區 2"/>
+          <p:cNvSpPr txBox="1">
+            <a:spLocks/>
+          </p:cNvSpPr>
+          <p:nvPr/>
+        </p:nvSpPr>
+        <p:spPr>
+          <a:xfrm>
+            <a:off x="1295400" y="304800"/>
+            <a:ext cx="6477000" cy="990600"/>
           </a:xfrm>
           <a:prstGeom prst="rect">
             <a:avLst/>
           </a:prstGeom>
         </p:spPr>
-      </p:pic>
+        <p:txBody>
+          <a:bodyPr tIns="91440" bIns="91440" anchor="b" anchorCtr="0">
+            <a:noAutofit/>
+          </a:bodyPr>
+          <a:lstStyle/>
+          <a:p>
+            <a:pPr marL="0" marR="0" lvl="0" indent="0" algn="just" defTabSz="914400" rtl="0" eaLnBrk="1" fontAlgn="auto" latinLnBrk="0" hangingPunct="1">
+              <a:lnSpc>
+                <a:spcPct val="100000"/>
+              </a:lnSpc>
+              <a:spcBef>
+                <a:spcPct val="20000"/>
+              </a:spcBef>
+              <a:spcAft>
+                <a:spcPts val="0"/>
+              </a:spcAft>
+              <a:buClrTx/>
+              <a:buSzTx/>
+              <a:buFontTx/>
+              <a:buNone/>
+              <a:tabLst/>
+              <a:defRPr/>
+            </a:pPr>
+            <a:r>
+              <a:rPr kumimoji="0" lang="en-US" altLang="zh-TW" sz="4800" b="1" i="0" u="none" strike="noStrike" kern="0" cap="none" spc="0" normalizeH="0" baseline="0" noProof="0" dirty="0">
+                <a:ln>
+                  <a:noFill/>
+                </a:ln>
+                <a:solidFill>
+                  <a:srgbClr val="00B0F0"/>
+                </a:solidFill>
+                <a:effectLst>
+                  <a:outerShdw blurRad="38100" dist="38100" dir="2700000" algn="tl">
+                    <a:srgbClr val="000000">
+                      <a:alpha val="43137"/>
+                    </a:srgbClr>
+                  </a:outerShdw>
+                </a:effectLst>
+                <a:uLnTx/>
+                <a:uFillTx/>
+                <a:latin typeface="微軟正黑體" panose="020B0604030504040204" pitchFamily="34" charset="-120"/>
+                <a:ea typeface="微軟正黑體" panose="020B0604030504040204" pitchFamily="34" charset="-120"/>
+                <a:cs typeface="+mn-cs"/>
+              </a:rPr>
+              <a:t>9. </a:t>
+            </a:r>
+            <a:r>
+              <a:rPr kumimoji="0" lang="zh-TW" altLang="en-US" sz="4800" b="1" i="0" u="none" strike="noStrike" kern="0" cap="none" spc="0" normalizeH="0" baseline="0" noProof="0" dirty="0">
+                <a:ln>
+                  <a:noFill/>
+                </a:ln>
+                <a:solidFill>
+                  <a:srgbClr val="00B0F0"/>
+                </a:solidFill>
+                <a:effectLst>
+                  <a:outerShdw blurRad="38100" dist="38100" dir="2700000" algn="tl">
+                    <a:srgbClr val="000000">
+                      <a:alpha val="43137"/>
+                    </a:srgbClr>
+                  </a:outerShdw>
+                </a:effectLst>
+                <a:uLnTx/>
+                <a:uFillTx/>
+                <a:latin typeface="微軟正黑體" panose="020B0604030504040204" pitchFamily="34" charset="-120"/>
+                <a:ea typeface="微軟正黑體" panose="020B0604030504040204" pitchFamily="34" charset="-120"/>
+                <a:cs typeface="+mn-cs"/>
+              </a:rPr>
+              <a:t>分詞器</a:t>
+            </a:r>
+            <a:r>
+              <a:rPr kumimoji="0" lang="en-US" altLang="zh-TW" sz="4800" b="1" i="0" u="none" strike="noStrike" kern="0" cap="none" spc="0" normalizeH="0" baseline="0" noProof="0" dirty="0">
+                <a:ln>
+                  <a:noFill/>
+                </a:ln>
+                <a:solidFill>
+                  <a:srgbClr val="00B0F0"/>
+                </a:solidFill>
+                <a:effectLst>
+                  <a:outerShdw blurRad="38100" dist="38100" dir="2700000" algn="tl">
+                    <a:srgbClr val="000000">
+                      <a:alpha val="43137"/>
+                    </a:srgbClr>
+                  </a:outerShdw>
+                </a:effectLst>
+                <a:uLnTx/>
+                <a:uFillTx/>
+                <a:latin typeface="微軟正黑體" panose="020B0604030504040204" pitchFamily="34" charset="-120"/>
+                <a:ea typeface="微軟正黑體" panose="020B0604030504040204" pitchFamily="34" charset="-120"/>
+                <a:cs typeface="+mn-cs"/>
+              </a:rPr>
+              <a:t>(Tokenizer)</a:t>
+            </a:r>
+            <a:endParaRPr kumimoji="0" lang="zh-TW" altLang="en-US" sz="4800" b="1" i="0" u="none" strike="noStrike" kern="0" cap="none" spc="0" normalizeH="0" baseline="0" noProof="0" dirty="0">
+              <a:ln>
+                <a:noFill/>
+              </a:ln>
+              <a:solidFill>
+                <a:srgbClr val="00B0F0"/>
+              </a:solidFill>
+              <a:effectLst>
+                <a:outerShdw blurRad="38100" dist="38100" dir="2700000" algn="tl">
+                  <a:srgbClr val="000000">
+                    <a:alpha val="43137"/>
+                  </a:srgbClr>
+                </a:outerShdw>
+              </a:effectLst>
+              <a:uLnTx/>
+              <a:uFillTx/>
+              <a:latin typeface="微軟正黑體" panose="020B0604030504040204" pitchFamily="34" charset="-120"/>
+              <a:ea typeface="微軟正黑體" panose="020B0604030504040204" pitchFamily="34" charset="-120"/>
+              <a:cs typeface="+mn-cs"/>
+            </a:endParaRPr>
+          </a:p>
+        </p:txBody>
+      </p:sp>
     </p:spTree>
     <p:extLst>
       <p:ext uri="{BB962C8B-B14F-4D97-AF65-F5344CB8AC3E}">
-        <p14:creationId xmlns:p14="http://schemas.microsoft.com/office/powerpoint/2010/main" val="1529310241"/>
+        <p14:creationId xmlns:p14="http://schemas.microsoft.com/office/powerpoint/2010/main" val="2000646213"/>
       </p:ext>
     </p:extLst>
   </p:cSld>
@@ -11053,7 +10923,7 @@
         <p:spPr>
           <a:xfrm>
             <a:off x="685800" y="1828800"/>
-            <a:ext cx="8077200" cy="1569660"/>
+            <a:ext cx="8077200" cy="2062103"/>
           </a:xfrm>
           <a:prstGeom prst="rect">
             <a:avLst/>
@@ -11075,7 +10945,7 @@
                 <a:latin typeface="微軟正黑體" panose="020B0604030504040204" pitchFamily="34" charset="-120"/>
                 <a:ea typeface="微軟正黑體" panose="020B0604030504040204" pitchFamily="34" charset="-120"/>
               </a:rPr>
-              <a:t>什麼是編碼器模型</a:t>
+              <a:t>批次化輸入</a:t>
             </a:r>
             <a:endParaRPr lang="en-US" altLang="zh-TW" sz="3200" dirty="0">
               <a:latin typeface="微軟正黑體" panose="020B0604030504040204" pitchFamily="34" charset="-120"/>
@@ -11092,7 +10962,7 @@
                 <a:latin typeface="微軟正黑體" panose="020B0604030504040204" pitchFamily="34" charset="-120"/>
                 <a:ea typeface="微軟正黑體" panose="020B0604030504040204" pitchFamily="34" charset="-120"/>
               </a:rPr>
-              <a:t>編碼器模型的哪些</a:t>
+              <a:t>填充輸入</a:t>
             </a:r>
             <a:endParaRPr lang="en-US" altLang="zh-TW" sz="3200" dirty="0">
               <a:latin typeface="微軟正黑體" panose="020B0604030504040204" pitchFamily="34" charset="-120"/>
@@ -11104,11 +10974,49 @@
               <a:buFont typeface="Arial" panose="020B0604020202020204" pitchFamily="34" charset="0"/>
               <a:buChar char="•"/>
             </a:pPr>
+            <a:r>
+              <a:rPr lang="zh-TW" altLang="en-US" sz="3200" dirty="0">
+                <a:latin typeface="微軟正黑體" panose="020B0604030504040204" pitchFamily="34" charset="-120"/>
+                <a:ea typeface="微軟正黑體" panose="020B0604030504040204" pitchFamily="34" charset="-120"/>
+              </a:rPr>
+              <a:t>注意力遮罩（</a:t>
+            </a:r>
+            <a:r>
+              <a:rPr lang="en-US" altLang="zh-TW" sz="3200" dirty="0">
+                <a:latin typeface="微軟正黑體" panose="020B0604030504040204" pitchFamily="34" charset="-120"/>
+                <a:ea typeface="微軟正黑體" panose="020B0604030504040204" pitchFamily="34" charset="-120"/>
+              </a:rPr>
+              <a:t>Attention masks</a:t>
+            </a:r>
+            <a:r>
+              <a:rPr lang="zh-TW" altLang="en-US" sz="3200" dirty="0">
+                <a:latin typeface="微軟正黑體" panose="020B0604030504040204" pitchFamily="34" charset="-120"/>
+                <a:ea typeface="微軟正黑體" panose="020B0604030504040204" pitchFamily="34" charset="-120"/>
+              </a:rPr>
+              <a:t>）</a:t>
+            </a:r>
             <a:endParaRPr lang="en-US" altLang="zh-TW" sz="3200" dirty="0">
               <a:latin typeface="微軟正黑體" panose="020B0604030504040204" pitchFamily="34" charset="-120"/>
               <a:ea typeface="微軟正黑體" panose="020B0604030504040204" pitchFamily="34" charset="-120"/>
             </a:endParaRPr>
           </a:p>
+          <a:p>
+            <a:pPr marL="514350" indent="-514350">
+              <a:buFont typeface="Arial" panose="020B0604020202020204" pitchFamily="34" charset="0"/>
+              <a:buChar char="•"/>
+            </a:pPr>
+            <a:r>
+              <a:rPr lang="zh-TW" altLang="en-US" sz="3200" dirty="0">
+                <a:latin typeface="微軟正黑體" panose="020B0604030504040204" pitchFamily="34" charset="-120"/>
+                <a:ea typeface="微軟正黑體" panose="020B0604030504040204" pitchFamily="34" charset="-120"/>
+              </a:rPr>
+              <a:t>長序列</a:t>
+            </a:r>
+            <a:endParaRPr lang="en-US" altLang="zh-TW" sz="3200" dirty="0">
+              <a:latin typeface="微軟正黑體" panose="020B0604030504040204" pitchFamily="34" charset="-120"/>
+              <a:ea typeface="微軟正黑體" panose="020B0604030504040204" pitchFamily="34" charset="-120"/>
+            </a:endParaRPr>
+          </a:p>
         </p:txBody>
       </p:sp>
       <p:sp>
@@ -11121,8 +11029,8 @@
         </p:nvSpPr>
         <p:spPr>
           <a:xfrm>
-            <a:off x="2362200" y="304800"/>
-            <a:ext cx="4267200" cy="990600"/>
+            <a:off x="1295400" y="304800"/>
+            <a:ext cx="6477000" cy="990600"/>
           </a:xfrm>
           <a:prstGeom prst="rect">
             <a:avLst/>
@@ -11172,7 +11080,7 @@
                 <a:ea typeface="微軟正黑體" panose="020B0604030504040204" pitchFamily="34" charset="-120"/>
                 <a:cs typeface="+mn-cs"/>
               </a:rPr>
-              <a:t>3. </a:t>
+              <a:t>10. </a:t>
             </a:r>
             <a:r>
               <a:rPr kumimoji="0" lang="zh-TW" altLang="en-US" sz="4800" b="1" i="0" u="none" strike="noStrike" kern="0" cap="none" spc="0" normalizeH="0" baseline="0" noProof="0" dirty="0">
@@ -11195,7 +11103,7 @@
                 <a:ea typeface="微軟正黑體" panose="020B0604030504040204" pitchFamily="34" charset="-120"/>
                 <a:cs typeface="+mn-cs"/>
               </a:rPr>
-              <a:t>編碼器模型</a:t>
+              <a:t>處理多個序列</a:t>
             </a:r>
           </a:p>
         </p:txBody>
@@ -11203,1367 +11111,7 @@
     </p:spTree>
     <p:extLst>
       <p:ext uri="{BB962C8B-B14F-4D97-AF65-F5344CB8AC3E}">
-        <p14:creationId xmlns:p14="http://schemas.microsoft.com/office/powerpoint/2010/main" val="4223350744"/>
-      </p:ext>
-    </p:extLst>
-  </p:cSld>
-  <p:clrMapOvr>
-    <a:masterClrMapping/>
-  </p:clrMapOvr>
-  <p:transition>
-    <p:fade/>
-  </p:transition>
-</p:sld>
-</file>
-
-<file path=ppt/slides/slide14.xml><?xml version="1.0" encoding="utf-8"?>
-<p:sld xmlns:a="http://schemas.openxmlformats.org/drawingml/2006/main" xmlns:r="http://schemas.openxmlformats.org/officeDocument/2006/relationships" xmlns:p="http://schemas.openxmlformats.org/presentationml/2006/main">
-  <p:cSld>
-    <p:spTree>
-      <p:nvGrpSpPr>
-        <p:cNvPr id="1" name=""/>
-        <p:cNvGrpSpPr/>
-        <p:nvPr/>
-      </p:nvGrpSpPr>
-      <p:grpSpPr>
-        <a:xfrm>
-          <a:off x="0" y="0"/>
-          <a:ext cx="0" cy="0"/>
-          <a:chOff x="0" y="0"/>
-          <a:chExt cx="0" cy="0"/>
-        </a:xfrm>
-      </p:grpSpPr>
-      <p:sp>
-        <p:nvSpPr>
-          <p:cNvPr id="5" name="文字方塊 4"/>
-          <p:cNvSpPr txBox="1"/>
-          <p:nvPr/>
-        </p:nvSpPr>
-        <p:spPr>
-          <a:xfrm>
-            <a:off x="685800" y="1828800"/>
-            <a:ext cx="8077200" cy="1569660"/>
-          </a:xfrm>
-          <a:prstGeom prst="rect">
-            <a:avLst/>
-          </a:prstGeom>
-          <a:noFill/>
-        </p:spPr>
-        <p:txBody>
-          <a:bodyPr wrap="square" rtlCol="0">
-            <a:spAutoFit/>
-          </a:bodyPr>
-          <a:lstStyle/>
-          <a:p>
-            <a:pPr marL="514350" indent="-514350">
-              <a:buFont typeface="Arial" panose="020B0604020202020204" pitchFamily="34" charset="0"/>
-              <a:buChar char="•"/>
-            </a:pPr>
-            <a:r>
-              <a:rPr lang="zh-TW" altLang="en-US" sz="3200" dirty="0">
-                <a:latin typeface="微軟正黑體" panose="020B0604030504040204" pitchFamily="34" charset="-120"/>
-                <a:ea typeface="微軟正黑體" panose="020B0604030504040204" pitchFamily="34" charset="-120"/>
-              </a:rPr>
-              <a:t>什麼是解碼器模型</a:t>
-            </a:r>
-            <a:endParaRPr lang="en-US" altLang="zh-TW" sz="3200" dirty="0">
-              <a:latin typeface="微軟正黑體" panose="020B0604030504040204" pitchFamily="34" charset="-120"/>
-              <a:ea typeface="微軟正黑體" panose="020B0604030504040204" pitchFamily="34" charset="-120"/>
-            </a:endParaRPr>
-          </a:p>
-          <a:p>
-            <a:pPr marL="514350" indent="-514350">
-              <a:buFont typeface="Arial" panose="020B0604020202020204" pitchFamily="34" charset="0"/>
-              <a:buChar char="•"/>
-            </a:pPr>
-            <a:r>
-              <a:rPr lang="zh-TW" altLang="en-US" sz="3200" dirty="0">
-                <a:latin typeface="微軟正黑體" panose="020B0604030504040204" pitchFamily="34" charset="-120"/>
-                <a:ea typeface="微軟正黑體" panose="020B0604030504040204" pitchFamily="34" charset="-120"/>
-              </a:rPr>
-              <a:t>解碼器模型的哪些</a:t>
-            </a:r>
-            <a:endParaRPr lang="en-US" altLang="zh-TW" sz="3200" dirty="0">
-              <a:latin typeface="微軟正黑體" panose="020B0604030504040204" pitchFamily="34" charset="-120"/>
-              <a:ea typeface="微軟正黑體" panose="020B0604030504040204" pitchFamily="34" charset="-120"/>
-            </a:endParaRPr>
-          </a:p>
-          <a:p>
-            <a:pPr marL="514350" indent="-514350">
-              <a:buFont typeface="Arial" panose="020B0604020202020204" pitchFamily="34" charset="0"/>
-              <a:buChar char="•"/>
-            </a:pPr>
-            <a:endParaRPr lang="en-US" altLang="zh-TW" sz="3200" dirty="0">
-              <a:latin typeface="微軟正黑體" panose="020B0604030504040204" pitchFamily="34" charset="-120"/>
-              <a:ea typeface="微軟正黑體" panose="020B0604030504040204" pitchFamily="34" charset="-120"/>
-            </a:endParaRPr>
-          </a:p>
-        </p:txBody>
-      </p:sp>
-      <p:sp>
-        <p:nvSpPr>
-          <p:cNvPr id="4" name="文字版面配置區 2"/>
-          <p:cNvSpPr txBox="1">
-            <a:spLocks/>
-          </p:cNvSpPr>
-          <p:nvPr/>
-        </p:nvSpPr>
-        <p:spPr>
-          <a:xfrm>
-            <a:off x="2362200" y="304800"/>
-            <a:ext cx="4267200" cy="990600"/>
-          </a:xfrm>
-          <a:prstGeom prst="rect">
-            <a:avLst/>
-          </a:prstGeom>
-        </p:spPr>
-        <p:txBody>
-          <a:bodyPr tIns="91440" bIns="91440" anchor="b" anchorCtr="0">
-            <a:noAutofit/>
-          </a:bodyPr>
-          <a:lstStyle/>
-          <a:p>
-            <a:pPr marL="0" marR="0" lvl="0" indent="0" algn="just" defTabSz="914400" rtl="0" eaLnBrk="1" fontAlgn="auto" latinLnBrk="0" hangingPunct="1">
-              <a:lnSpc>
-                <a:spcPct val="100000"/>
-              </a:lnSpc>
-              <a:spcBef>
-                <a:spcPct val="20000"/>
-              </a:spcBef>
-              <a:spcAft>
-                <a:spcPts val="0"/>
-              </a:spcAft>
-              <a:buClrTx/>
-              <a:buSzTx/>
-              <a:buFontTx/>
-              <a:buNone/>
-              <a:tabLst/>
-              <a:defRPr/>
-            </a:pPr>
-            <a:r>
-              <a:rPr kumimoji="0" lang="en-US" altLang="zh-TW" sz="4800" b="1" i="0" u="none" strike="noStrike" kern="0" cap="none" spc="0" normalizeH="0" baseline="0" noProof="0" dirty="0">
-                <a:ln>
-                  <a:noFill/>
-                </a:ln>
-                <a:solidFill>
-                  <a:srgbClr val="00B0F0"/>
-                </a:solidFill>
-                <a:effectLst>
-                  <a:outerShdw blurRad="38100" dist="38100" dir="2700000" algn="tl">
-                    <a:srgbClr val="000000">
-                      <a:alpha val="43137"/>
-                    </a:srgbClr>
-                  </a:outerShdw>
-                </a:effectLst>
-                <a:uLnTx/>
-                <a:uFillTx/>
-                <a:latin typeface="微軟正黑體" panose="020B0604030504040204" pitchFamily="34" charset="-120"/>
-                <a:ea typeface="微軟正黑體" panose="020B0604030504040204" pitchFamily="34" charset="-120"/>
-                <a:cs typeface="+mn-cs"/>
-              </a:rPr>
-              <a:t>4. </a:t>
-            </a:r>
-            <a:r>
-              <a:rPr kumimoji="0" lang="zh-TW" altLang="en-US" sz="4800" b="1" i="0" u="none" strike="noStrike" kern="0" cap="none" spc="0" normalizeH="0" baseline="0" noProof="0" dirty="0">
-                <a:ln>
-                  <a:noFill/>
-                </a:ln>
-                <a:solidFill>
-                  <a:srgbClr val="00B0F0"/>
-                </a:solidFill>
-                <a:effectLst>
-                  <a:outerShdw blurRad="38100" dist="38100" dir="2700000" algn="tl">
-                    <a:srgbClr val="000000">
-                      <a:alpha val="43137"/>
-                    </a:srgbClr>
-                  </a:outerShdw>
-                </a:effectLst>
-                <a:uLnTx/>
-                <a:uFillTx/>
-                <a:latin typeface="微軟正黑體" panose="020B0604030504040204" pitchFamily="34" charset="-120"/>
-                <a:ea typeface="微軟正黑體" panose="020B0604030504040204" pitchFamily="34" charset="-120"/>
-                <a:cs typeface="+mn-cs"/>
-              </a:rPr>
-              <a:t>解碼器模型</a:t>
-            </a:r>
-          </a:p>
-        </p:txBody>
-      </p:sp>
-    </p:spTree>
-    <p:extLst>
-      <p:ext uri="{BB962C8B-B14F-4D97-AF65-F5344CB8AC3E}">
-        <p14:creationId xmlns:p14="http://schemas.microsoft.com/office/powerpoint/2010/main" val="3429902069"/>
-      </p:ext>
-    </p:extLst>
-  </p:cSld>
-  <p:clrMapOvr>
-    <a:masterClrMapping/>
-  </p:clrMapOvr>
-  <p:transition>
-    <p:fade/>
-  </p:transition>
-</p:sld>
-</file>
-
-<file path=ppt/slides/slide15.xml><?xml version="1.0" encoding="utf-8"?>
-<p:sld xmlns:a="http://schemas.openxmlformats.org/drawingml/2006/main" xmlns:r="http://schemas.openxmlformats.org/officeDocument/2006/relationships" xmlns:p="http://schemas.openxmlformats.org/presentationml/2006/main">
-  <p:cSld>
-    <p:spTree>
-      <p:nvGrpSpPr>
-        <p:cNvPr id="1" name=""/>
-        <p:cNvGrpSpPr/>
-        <p:nvPr/>
-      </p:nvGrpSpPr>
-      <p:grpSpPr>
-        <a:xfrm>
-          <a:off x="0" y="0"/>
-          <a:ext cx="0" cy="0"/>
-          <a:chOff x="0" y="0"/>
-          <a:chExt cx="0" cy="0"/>
-        </a:xfrm>
-      </p:grpSpPr>
-      <p:sp>
-        <p:nvSpPr>
-          <p:cNvPr id="5" name="文字方塊 4"/>
-          <p:cNvSpPr txBox="1"/>
-          <p:nvPr/>
-        </p:nvSpPr>
-        <p:spPr>
-          <a:xfrm>
-            <a:off x="685800" y="1828800"/>
-            <a:ext cx="8077200" cy="1569660"/>
-          </a:xfrm>
-          <a:prstGeom prst="rect">
-            <a:avLst/>
-          </a:prstGeom>
-          <a:noFill/>
-        </p:spPr>
-        <p:txBody>
-          <a:bodyPr wrap="square" rtlCol="0">
-            <a:spAutoFit/>
-          </a:bodyPr>
-          <a:lstStyle/>
-          <a:p>
-            <a:pPr marL="514350" indent="-514350">
-              <a:buFont typeface="Arial" panose="020B0604020202020204" pitchFamily="34" charset="0"/>
-              <a:buChar char="•"/>
-            </a:pPr>
-            <a:r>
-              <a:rPr lang="zh-TW" altLang="en-US" sz="3200" dirty="0">
-                <a:latin typeface="微軟正黑體" panose="020B0604030504040204" pitchFamily="34" charset="-120"/>
-                <a:ea typeface="微軟正黑體" panose="020B0604030504040204" pitchFamily="34" charset="-120"/>
-              </a:rPr>
-              <a:t>什麼是解碼器模型</a:t>
-            </a:r>
-            <a:endParaRPr lang="en-US" altLang="zh-TW" sz="3200" dirty="0">
-              <a:latin typeface="微軟正黑體" panose="020B0604030504040204" pitchFamily="34" charset="-120"/>
-              <a:ea typeface="微軟正黑體" panose="020B0604030504040204" pitchFamily="34" charset="-120"/>
-            </a:endParaRPr>
-          </a:p>
-          <a:p>
-            <a:pPr marL="514350" indent="-514350">
-              <a:buFont typeface="Arial" panose="020B0604020202020204" pitchFamily="34" charset="0"/>
-              <a:buChar char="•"/>
-            </a:pPr>
-            <a:r>
-              <a:rPr lang="zh-TW" altLang="en-US" sz="3200" dirty="0">
-                <a:latin typeface="微軟正黑體" panose="020B0604030504040204" pitchFamily="34" charset="-120"/>
-                <a:ea typeface="微軟正黑體" panose="020B0604030504040204" pitchFamily="34" charset="-120"/>
-              </a:rPr>
-              <a:t>解碼器模型的哪些</a:t>
-            </a:r>
-            <a:endParaRPr lang="en-US" altLang="zh-TW" sz="3200" dirty="0">
-              <a:latin typeface="微軟正黑體" panose="020B0604030504040204" pitchFamily="34" charset="-120"/>
-              <a:ea typeface="微軟正黑體" panose="020B0604030504040204" pitchFamily="34" charset="-120"/>
-            </a:endParaRPr>
-          </a:p>
-          <a:p>
-            <a:pPr marL="514350" indent="-514350">
-              <a:buFont typeface="Arial" panose="020B0604020202020204" pitchFamily="34" charset="0"/>
-              <a:buChar char="•"/>
-            </a:pPr>
-            <a:endParaRPr lang="en-US" altLang="zh-TW" sz="3200" dirty="0">
-              <a:latin typeface="微軟正黑體" panose="020B0604030504040204" pitchFamily="34" charset="-120"/>
-              <a:ea typeface="微軟正黑體" panose="020B0604030504040204" pitchFamily="34" charset="-120"/>
-            </a:endParaRPr>
-          </a:p>
-        </p:txBody>
-      </p:sp>
-      <p:sp>
-        <p:nvSpPr>
-          <p:cNvPr id="4" name="文字版面配置區 2"/>
-          <p:cNvSpPr txBox="1">
-            <a:spLocks/>
-          </p:cNvSpPr>
-          <p:nvPr/>
-        </p:nvSpPr>
-        <p:spPr>
-          <a:xfrm>
-            <a:off x="1828800" y="304800"/>
-            <a:ext cx="5181600" cy="990600"/>
-          </a:xfrm>
-          <a:prstGeom prst="rect">
-            <a:avLst/>
-          </a:prstGeom>
-        </p:spPr>
-        <p:txBody>
-          <a:bodyPr tIns="91440" bIns="91440" anchor="b" anchorCtr="0">
-            <a:noAutofit/>
-          </a:bodyPr>
-          <a:lstStyle/>
-          <a:p>
-            <a:pPr marL="0" marR="0" lvl="0" indent="0" algn="just" defTabSz="914400" rtl="0" eaLnBrk="1" fontAlgn="auto" latinLnBrk="0" hangingPunct="1">
-              <a:lnSpc>
-                <a:spcPct val="100000"/>
-              </a:lnSpc>
-              <a:spcBef>
-                <a:spcPct val="20000"/>
-              </a:spcBef>
-              <a:spcAft>
-                <a:spcPts val="0"/>
-              </a:spcAft>
-              <a:buClrTx/>
-              <a:buSzTx/>
-              <a:buFontTx/>
-              <a:buNone/>
-              <a:tabLst/>
-              <a:defRPr/>
-            </a:pPr>
-            <a:r>
-              <a:rPr kumimoji="0" lang="en-US" altLang="zh-TW" sz="4800" b="1" i="0" u="none" strike="noStrike" kern="0" cap="none" spc="0" normalizeH="0" baseline="0" noProof="0" dirty="0">
-                <a:ln>
-                  <a:noFill/>
-                </a:ln>
-                <a:solidFill>
-                  <a:srgbClr val="00B0F0"/>
-                </a:solidFill>
-                <a:effectLst>
-                  <a:outerShdw blurRad="38100" dist="38100" dir="2700000" algn="tl">
-                    <a:srgbClr val="000000">
-                      <a:alpha val="43137"/>
-                    </a:srgbClr>
-                  </a:outerShdw>
-                </a:effectLst>
-                <a:uLnTx/>
-                <a:uFillTx/>
-                <a:latin typeface="微軟正黑體" panose="020B0604030504040204" pitchFamily="34" charset="-120"/>
-                <a:ea typeface="微軟正黑體" panose="020B0604030504040204" pitchFamily="34" charset="-120"/>
-                <a:cs typeface="+mn-cs"/>
-              </a:rPr>
-              <a:t>5. </a:t>
-            </a:r>
-            <a:r>
-              <a:rPr kumimoji="0" lang="zh-TW" altLang="en-US" sz="4800" b="1" i="0" u="none" strike="noStrike" kern="0" cap="none" spc="0" normalizeH="0" baseline="0" noProof="0" dirty="0">
-                <a:ln>
-                  <a:noFill/>
-                </a:ln>
-                <a:solidFill>
-                  <a:srgbClr val="00B0F0"/>
-                </a:solidFill>
-                <a:effectLst>
-                  <a:outerShdw blurRad="38100" dist="38100" dir="2700000" algn="tl">
-                    <a:srgbClr val="000000">
-                      <a:alpha val="43137"/>
-                    </a:srgbClr>
-                  </a:outerShdw>
-                </a:effectLst>
-                <a:uLnTx/>
-                <a:uFillTx/>
-                <a:latin typeface="微軟正黑體" panose="020B0604030504040204" pitchFamily="34" charset="-120"/>
-                <a:ea typeface="微軟正黑體" panose="020B0604030504040204" pitchFamily="34" charset="-120"/>
-                <a:cs typeface="+mn-cs"/>
-              </a:rPr>
-              <a:t>序列到序列模型</a:t>
-            </a:r>
-          </a:p>
-        </p:txBody>
-      </p:sp>
-    </p:spTree>
-    <p:extLst>
-      <p:ext uri="{BB962C8B-B14F-4D97-AF65-F5344CB8AC3E}">
-        <p14:creationId xmlns:p14="http://schemas.microsoft.com/office/powerpoint/2010/main" val="3055078124"/>
-      </p:ext>
-    </p:extLst>
-  </p:cSld>
-  <p:clrMapOvr>
-    <a:masterClrMapping/>
-  </p:clrMapOvr>
-  <p:transition>
-    <p:fade/>
-  </p:transition>
-</p:sld>
-</file>
-
-<file path=ppt/slides/slide16.xml><?xml version="1.0" encoding="utf-8"?>
-<p:sld xmlns:a="http://schemas.openxmlformats.org/drawingml/2006/main" xmlns:r="http://schemas.openxmlformats.org/officeDocument/2006/relationships" xmlns:p="http://schemas.openxmlformats.org/presentationml/2006/main">
-  <p:cSld>
-    <p:spTree>
-      <p:nvGrpSpPr>
-        <p:cNvPr id="1" name=""/>
-        <p:cNvGrpSpPr/>
-        <p:nvPr/>
-      </p:nvGrpSpPr>
-      <p:grpSpPr>
-        <a:xfrm>
-          <a:off x="0" y="0"/>
-          <a:ext cx="0" cy="0"/>
-          <a:chOff x="0" y="0"/>
-          <a:chExt cx="0" cy="0"/>
-        </a:xfrm>
-      </p:grpSpPr>
-      <p:sp>
-        <p:nvSpPr>
-          <p:cNvPr id="5" name="文字方塊 4"/>
-          <p:cNvSpPr txBox="1"/>
-          <p:nvPr/>
-        </p:nvSpPr>
-        <p:spPr>
-          <a:xfrm>
-            <a:off x="685800" y="1828800"/>
-            <a:ext cx="8077200" cy="1077218"/>
-          </a:xfrm>
-          <a:prstGeom prst="rect">
-            <a:avLst/>
-          </a:prstGeom>
-          <a:noFill/>
-        </p:spPr>
-        <p:txBody>
-          <a:bodyPr wrap="square" rtlCol="0">
-            <a:spAutoFit/>
-          </a:bodyPr>
-          <a:lstStyle/>
-          <a:p>
-            <a:pPr marL="514350" indent="-514350">
-              <a:buFont typeface="Arial" panose="020B0604020202020204" pitchFamily="34" charset="0"/>
-              <a:buChar char="•"/>
-            </a:pPr>
-            <a:r>
-              <a:rPr lang="zh-TW" altLang="en-US" sz="3200" dirty="0">
-                <a:latin typeface="微軟正黑體" panose="020B0604030504040204" pitchFamily="34" charset="-120"/>
-                <a:ea typeface="微軟正黑體" panose="020B0604030504040204" pitchFamily="34" charset="-120"/>
-              </a:rPr>
-              <a:t>偏見與問題</a:t>
-            </a:r>
-            <a:endParaRPr lang="en-US" altLang="zh-TW" sz="3200" dirty="0">
-              <a:latin typeface="微軟正黑體" panose="020B0604030504040204" pitchFamily="34" charset="-120"/>
-              <a:ea typeface="微軟正黑體" panose="020B0604030504040204" pitchFamily="34" charset="-120"/>
-            </a:endParaRPr>
-          </a:p>
-          <a:p>
-            <a:pPr marL="514350" indent="-514350">
-              <a:buFont typeface="Arial" panose="020B0604020202020204" pitchFamily="34" charset="0"/>
-              <a:buChar char="•"/>
-            </a:pPr>
-            <a:r>
-              <a:rPr lang="zh-TW" altLang="en-US" sz="3200" dirty="0">
-                <a:latin typeface="微軟正黑體" panose="020B0604030504040204" pitchFamily="34" charset="-120"/>
-                <a:ea typeface="微軟正黑體" panose="020B0604030504040204" pitchFamily="34" charset="-120"/>
-              </a:rPr>
-              <a:t>範例</a:t>
-            </a:r>
-            <a:endParaRPr lang="en-US" altLang="zh-TW" sz="3200" dirty="0">
-              <a:latin typeface="微軟正黑體" panose="020B0604030504040204" pitchFamily="34" charset="-120"/>
-              <a:ea typeface="微軟正黑體" panose="020B0604030504040204" pitchFamily="34" charset="-120"/>
-            </a:endParaRPr>
-          </a:p>
-        </p:txBody>
-      </p:sp>
-      <p:sp>
-        <p:nvSpPr>
-          <p:cNvPr id="4" name="文字版面配置區 2"/>
-          <p:cNvSpPr txBox="1">
-            <a:spLocks/>
-          </p:cNvSpPr>
-          <p:nvPr/>
-        </p:nvSpPr>
-        <p:spPr>
-          <a:xfrm>
-            <a:off x="2209800" y="304800"/>
-            <a:ext cx="4267200" cy="990600"/>
-          </a:xfrm>
-          <a:prstGeom prst="rect">
-            <a:avLst/>
-          </a:prstGeom>
-        </p:spPr>
-        <p:txBody>
-          <a:bodyPr tIns="91440" bIns="91440" anchor="b" anchorCtr="0">
-            <a:noAutofit/>
-          </a:bodyPr>
-          <a:lstStyle/>
-          <a:p>
-            <a:pPr marL="0" marR="0" lvl="0" indent="0" algn="just" defTabSz="914400" rtl="0" eaLnBrk="1" fontAlgn="auto" latinLnBrk="0" hangingPunct="1">
-              <a:lnSpc>
-                <a:spcPct val="100000"/>
-              </a:lnSpc>
-              <a:spcBef>
-                <a:spcPct val="20000"/>
-              </a:spcBef>
-              <a:spcAft>
-                <a:spcPts val="0"/>
-              </a:spcAft>
-              <a:buClrTx/>
-              <a:buSzTx/>
-              <a:buFontTx/>
-              <a:buNone/>
-              <a:tabLst/>
-              <a:defRPr/>
-            </a:pPr>
-            <a:r>
-              <a:rPr kumimoji="0" lang="en-US" altLang="zh-TW" sz="4800" b="1" i="0" u="none" strike="noStrike" kern="0" cap="none" spc="0" normalizeH="0" baseline="0" noProof="0" dirty="0">
-                <a:ln>
-                  <a:noFill/>
-                </a:ln>
-                <a:solidFill>
-                  <a:srgbClr val="00B0F0"/>
-                </a:solidFill>
-                <a:effectLst>
-                  <a:outerShdw blurRad="38100" dist="38100" dir="2700000" algn="tl">
-                    <a:srgbClr val="000000">
-                      <a:alpha val="43137"/>
-                    </a:srgbClr>
-                  </a:outerShdw>
-                </a:effectLst>
-                <a:uLnTx/>
-                <a:uFillTx/>
-                <a:latin typeface="微軟正黑體" panose="020B0604030504040204" pitchFamily="34" charset="-120"/>
-                <a:ea typeface="微軟正黑體" panose="020B0604030504040204" pitchFamily="34" charset="-120"/>
-                <a:cs typeface="+mn-cs"/>
-              </a:rPr>
-              <a:t>6. </a:t>
-            </a:r>
-            <a:r>
-              <a:rPr kumimoji="0" lang="zh-TW" altLang="en-US" sz="4800" b="1" i="0" u="none" strike="noStrike" kern="0" cap="none" spc="0" normalizeH="0" baseline="0" noProof="0" dirty="0">
-                <a:ln>
-                  <a:noFill/>
-                </a:ln>
-                <a:solidFill>
-                  <a:srgbClr val="00B0F0"/>
-                </a:solidFill>
-                <a:effectLst>
-                  <a:outerShdw blurRad="38100" dist="38100" dir="2700000" algn="tl">
-                    <a:srgbClr val="000000">
-                      <a:alpha val="43137"/>
-                    </a:srgbClr>
-                  </a:outerShdw>
-                </a:effectLst>
-                <a:uLnTx/>
-                <a:uFillTx/>
-                <a:latin typeface="微軟正黑體" panose="020B0604030504040204" pitchFamily="34" charset="-120"/>
-                <a:ea typeface="微軟正黑體" panose="020B0604030504040204" pitchFamily="34" charset="-120"/>
-                <a:cs typeface="+mn-cs"/>
-              </a:rPr>
-              <a:t>偏見和問題</a:t>
-            </a:r>
-          </a:p>
-        </p:txBody>
-      </p:sp>
-    </p:spTree>
-    <p:extLst>
-      <p:ext uri="{BB962C8B-B14F-4D97-AF65-F5344CB8AC3E}">
-        <p14:creationId xmlns:p14="http://schemas.microsoft.com/office/powerpoint/2010/main" val="3315449771"/>
-      </p:ext>
-    </p:extLst>
-  </p:cSld>
-  <p:clrMapOvr>
-    <a:masterClrMapping/>
-  </p:clrMapOvr>
-  <p:transition>
-    <p:fade/>
-  </p:transition>
-</p:sld>
-</file>
-
-<file path=ppt/slides/slide17.xml><?xml version="1.0" encoding="utf-8"?>
-<p:sld xmlns:a="http://schemas.openxmlformats.org/drawingml/2006/main" xmlns:r="http://schemas.openxmlformats.org/officeDocument/2006/relationships" xmlns:p="http://schemas.openxmlformats.org/presentationml/2006/main">
-  <p:cSld>
-    <p:spTree>
-      <p:nvGrpSpPr>
-        <p:cNvPr id="1" name=""/>
-        <p:cNvGrpSpPr/>
-        <p:nvPr/>
-      </p:nvGrpSpPr>
-      <p:grpSpPr>
-        <a:xfrm>
-          <a:off x="0" y="0"/>
-          <a:ext cx="0" cy="0"/>
-          <a:chOff x="0" y="0"/>
-          <a:chExt cx="0" cy="0"/>
-        </a:xfrm>
-      </p:grpSpPr>
-      <p:sp>
-        <p:nvSpPr>
-          <p:cNvPr id="5" name="文字方塊 4"/>
-          <p:cNvSpPr txBox="1"/>
-          <p:nvPr/>
-        </p:nvSpPr>
-        <p:spPr>
-          <a:xfrm>
-            <a:off x="685800" y="1828800"/>
-            <a:ext cx="8077200" cy="3046988"/>
-          </a:xfrm>
-          <a:prstGeom prst="rect">
-            <a:avLst/>
-          </a:prstGeom>
-          <a:noFill/>
-        </p:spPr>
-        <p:txBody>
-          <a:bodyPr wrap="square" rtlCol="0">
-            <a:spAutoFit/>
-          </a:bodyPr>
-          <a:lstStyle/>
-          <a:p>
-            <a:pPr marL="514350" indent="-514350">
-              <a:buFont typeface="Arial" panose="020B0604020202020204" pitchFamily="34" charset="0"/>
-              <a:buChar char="•"/>
-            </a:pPr>
-            <a:r>
-              <a:rPr lang="en-US" altLang="zh-TW" sz="3200" dirty="0">
-                <a:latin typeface="微軟正黑體" panose="020B0604030504040204" pitchFamily="34" charset="-120"/>
-                <a:ea typeface="微軟正黑體" panose="020B0604030504040204" pitchFamily="34" charset="-120"/>
-              </a:rPr>
-              <a:t>end-to-end pipeline</a:t>
-            </a:r>
-          </a:p>
-          <a:p>
-            <a:pPr marL="514350" indent="-514350">
-              <a:buFont typeface="Arial" panose="020B0604020202020204" pitchFamily="34" charset="0"/>
-              <a:buChar char="•"/>
-            </a:pPr>
-            <a:r>
-              <a:rPr lang="zh-TW" altLang="en-US" sz="3200" dirty="0">
-                <a:latin typeface="微軟正黑體" panose="020B0604030504040204" pitchFamily="34" charset="-120"/>
-                <a:ea typeface="微軟正黑體" panose="020B0604030504040204" pitchFamily="34" charset="-120"/>
-              </a:rPr>
-              <a:t>分詞預處理</a:t>
-            </a:r>
-            <a:endParaRPr lang="en-US" altLang="zh-TW" sz="3200" dirty="0">
-              <a:latin typeface="微軟正黑體" panose="020B0604030504040204" pitchFamily="34" charset="-120"/>
-              <a:ea typeface="微軟正黑體" panose="020B0604030504040204" pitchFamily="34" charset="-120"/>
-            </a:endParaRPr>
-          </a:p>
-          <a:p>
-            <a:pPr marL="514350" indent="-514350">
-              <a:buFont typeface="Arial" panose="020B0604020202020204" pitchFamily="34" charset="0"/>
-              <a:buChar char="•"/>
-            </a:pPr>
-            <a:r>
-              <a:rPr lang="zh-TW" altLang="en-US" sz="3200" dirty="0">
-                <a:latin typeface="微軟正黑體" panose="020B0604030504040204" pitchFamily="34" charset="-120"/>
-                <a:ea typeface="微軟正黑體" panose="020B0604030504040204" pitchFamily="34" charset="-120"/>
-              </a:rPr>
-              <a:t>模型</a:t>
-            </a:r>
-            <a:endParaRPr lang="en-US" altLang="zh-TW" sz="3200" dirty="0">
-              <a:latin typeface="微軟正黑體" panose="020B0604030504040204" pitchFamily="34" charset="-120"/>
-              <a:ea typeface="微軟正黑體" panose="020B0604030504040204" pitchFamily="34" charset="-120"/>
-            </a:endParaRPr>
-          </a:p>
-          <a:p>
-            <a:pPr marL="514350" indent="-514350">
-              <a:buFont typeface="Arial" panose="020B0604020202020204" pitchFamily="34" charset="0"/>
-              <a:buChar char="•"/>
-            </a:pPr>
-            <a:r>
-              <a:rPr lang="zh-TW" altLang="en-US" sz="3200" dirty="0">
-                <a:latin typeface="微軟正黑體" panose="020B0604030504040204" pitchFamily="34" charset="-120"/>
-                <a:ea typeface="微軟正黑體" panose="020B0604030504040204" pitchFamily="34" charset="-120"/>
-              </a:rPr>
-              <a:t>高維向量</a:t>
-            </a:r>
-            <a:endParaRPr lang="en-US" altLang="zh-TW" sz="3200" dirty="0">
-              <a:latin typeface="微軟正黑體" panose="020B0604030504040204" pitchFamily="34" charset="-120"/>
-              <a:ea typeface="微軟正黑體" panose="020B0604030504040204" pitchFamily="34" charset="-120"/>
-            </a:endParaRPr>
-          </a:p>
-          <a:p>
-            <a:pPr marL="514350" indent="-514350">
-              <a:buFont typeface="Arial" panose="020B0604020202020204" pitchFamily="34" charset="0"/>
-              <a:buChar char="•"/>
-            </a:pPr>
-            <a:r>
-              <a:rPr lang="zh-TW" altLang="en-US" sz="3200" dirty="0">
-                <a:latin typeface="微軟正黑體" panose="020B0604030504040204" pitchFamily="34" charset="-120"/>
-                <a:ea typeface="微軟正黑體" panose="020B0604030504040204" pitchFamily="34" charset="-120"/>
-              </a:rPr>
-              <a:t>模型頭</a:t>
-            </a:r>
-            <a:endParaRPr lang="en-US" altLang="zh-TW" sz="3200" dirty="0">
-              <a:latin typeface="微軟正黑體" panose="020B0604030504040204" pitchFamily="34" charset="-120"/>
-              <a:ea typeface="微軟正黑體" panose="020B0604030504040204" pitchFamily="34" charset="-120"/>
-            </a:endParaRPr>
-          </a:p>
-          <a:p>
-            <a:pPr marL="514350" indent="-514350">
-              <a:buFont typeface="Arial" panose="020B0604020202020204" pitchFamily="34" charset="0"/>
-              <a:buChar char="•"/>
-            </a:pPr>
-            <a:r>
-              <a:rPr lang="zh-TW" altLang="en-US" sz="3200" dirty="0">
-                <a:latin typeface="微軟正黑體" panose="020B0604030504040204" pitchFamily="34" charset="-120"/>
-                <a:ea typeface="微軟正黑體" panose="020B0604030504040204" pitchFamily="34" charset="-120"/>
-              </a:rPr>
-              <a:t>輸出後處理</a:t>
-            </a:r>
-            <a:endParaRPr lang="en-US" altLang="zh-TW" sz="3200" dirty="0">
-              <a:latin typeface="微軟正黑體" panose="020B0604030504040204" pitchFamily="34" charset="-120"/>
-              <a:ea typeface="微軟正黑體" panose="020B0604030504040204" pitchFamily="34" charset="-120"/>
-            </a:endParaRPr>
-          </a:p>
-        </p:txBody>
-      </p:sp>
-      <p:sp>
-        <p:nvSpPr>
-          <p:cNvPr id="4" name="文字版面配置區 2"/>
-          <p:cNvSpPr txBox="1">
-            <a:spLocks/>
-          </p:cNvSpPr>
-          <p:nvPr/>
-        </p:nvSpPr>
-        <p:spPr>
-          <a:xfrm>
-            <a:off x="1295400" y="304800"/>
-            <a:ext cx="6477000" cy="990600"/>
-          </a:xfrm>
-          <a:prstGeom prst="rect">
-            <a:avLst/>
-          </a:prstGeom>
-        </p:spPr>
-        <p:txBody>
-          <a:bodyPr tIns="91440" bIns="91440" anchor="b" anchorCtr="0">
-            <a:noAutofit/>
-          </a:bodyPr>
-          <a:lstStyle/>
-          <a:p>
-            <a:pPr marL="0" marR="0" lvl="0" indent="0" algn="just" defTabSz="914400" rtl="0" eaLnBrk="1" fontAlgn="auto" latinLnBrk="0" hangingPunct="1">
-              <a:lnSpc>
-                <a:spcPct val="100000"/>
-              </a:lnSpc>
-              <a:spcBef>
-                <a:spcPct val="20000"/>
-              </a:spcBef>
-              <a:spcAft>
-                <a:spcPts val="0"/>
-              </a:spcAft>
-              <a:buClrTx/>
-              <a:buSzTx/>
-              <a:buFontTx/>
-              <a:buNone/>
-              <a:tabLst/>
-              <a:defRPr/>
-            </a:pPr>
-            <a:r>
-              <a:rPr kumimoji="0" lang="en-US" altLang="zh-TW" sz="4800" b="1" i="0" u="none" strike="noStrike" kern="0" cap="none" spc="0" normalizeH="0" baseline="0" noProof="0" dirty="0">
-                <a:ln>
-                  <a:noFill/>
-                </a:ln>
-                <a:solidFill>
-                  <a:srgbClr val="00B0F0"/>
-                </a:solidFill>
-                <a:effectLst>
-                  <a:outerShdw blurRad="38100" dist="38100" dir="2700000" algn="tl">
-                    <a:srgbClr val="000000">
-                      <a:alpha val="43137"/>
-                    </a:srgbClr>
-                  </a:outerShdw>
-                </a:effectLst>
-                <a:uLnTx/>
-                <a:uFillTx/>
-                <a:latin typeface="微軟正黑體" panose="020B0604030504040204" pitchFamily="34" charset="-120"/>
-                <a:ea typeface="微軟正黑體" panose="020B0604030504040204" pitchFamily="34" charset="-120"/>
-                <a:cs typeface="+mn-cs"/>
-              </a:rPr>
-              <a:t>7. NLP</a:t>
-            </a:r>
-            <a:r>
-              <a:rPr kumimoji="0" lang="zh-TW" altLang="en-US" sz="4800" b="1" i="0" u="none" strike="noStrike" kern="0" cap="none" spc="0" normalizeH="0" baseline="0" noProof="0" dirty="0">
-                <a:ln>
-                  <a:noFill/>
-                </a:ln>
-                <a:solidFill>
-                  <a:srgbClr val="00B0F0"/>
-                </a:solidFill>
-                <a:effectLst>
-                  <a:outerShdw blurRad="38100" dist="38100" dir="2700000" algn="tl">
-                    <a:srgbClr val="000000">
-                      <a:alpha val="43137"/>
-                    </a:srgbClr>
-                  </a:outerShdw>
-                </a:effectLst>
-                <a:uLnTx/>
-                <a:uFillTx/>
-                <a:latin typeface="微軟正黑體" panose="020B0604030504040204" pitchFamily="34" charset="-120"/>
-                <a:ea typeface="微軟正黑體" panose="020B0604030504040204" pitchFamily="34" charset="-120"/>
-                <a:cs typeface="+mn-cs"/>
-              </a:rPr>
-              <a:t>任務的內部結構</a:t>
-            </a:r>
-          </a:p>
-        </p:txBody>
-      </p:sp>
-    </p:spTree>
-    <p:extLst>
-      <p:ext uri="{BB962C8B-B14F-4D97-AF65-F5344CB8AC3E}">
-        <p14:creationId xmlns:p14="http://schemas.microsoft.com/office/powerpoint/2010/main" val="1420312926"/>
-      </p:ext>
-    </p:extLst>
-  </p:cSld>
-  <p:clrMapOvr>
-    <a:masterClrMapping/>
-  </p:clrMapOvr>
-  <p:transition>
-    <p:fade/>
-  </p:transition>
-</p:sld>
-</file>
-
-<file path=ppt/slides/slide18.xml><?xml version="1.0" encoding="utf-8"?>
-<p:sld xmlns:a="http://schemas.openxmlformats.org/drawingml/2006/main" xmlns:r="http://schemas.openxmlformats.org/officeDocument/2006/relationships" xmlns:p="http://schemas.openxmlformats.org/presentationml/2006/main">
-  <p:cSld>
-    <p:spTree>
-      <p:nvGrpSpPr>
-        <p:cNvPr id="1" name=""/>
-        <p:cNvGrpSpPr/>
-        <p:nvPr/>
-      </p:nvGrpSpPr>
-      <p:grpSpPr>
-        <a:xfrm>
-          <a:off x="0" y="0"/>
-          <a:ext cx="0" cy="0"/>
-          <a:chOff x="0" y="0"/>
-          <a:chExt cx="0" cy="0"/>
-        </a:xfrm>
-      </p:grpSpPr>
-      <p:sp>
-        <p:nvSpPr>
-          <p:cNvPr id="5" name="文字方塊 4"/>
-          <p:cNvSpPr txBox="1"/>
-          <p:nvPr/>
-        </p:nvSpPr>
-        <p:spPr>
-          <a:xfrm>
-            <a:off x="685800" y="1828800"/>
-            <a:ext cx="8077200" cy="1569660"/>
-          </a:xfrm>
-          <a:prstGeom prst="rect">
-            <a:avLst/>
-          </a:prstGeom>
-          <a:noFill/>
-        </p:spPr>
-        <p:txBody>
-          <a:bodyPr wrap="square" rtlCol="0">
-            <a:spAutoFit/>
-          </a:bodyPr>
-          <a:lstStyle/>
-          <a:p>
-            <a:pPr marL="514350" indent="-514350">
-              <a:buFont typeface="Arial" panose="020B0604020202020204" pitchFamily="34" charset="0"/>
-              <a:buChar char="•"/>
-            </a:pPr>
-            <a:r>
-              <a:rPr lang="zh-TW" altLang="en-US" sz="3200" dirty="0">
-                <a:latin typeface="微軟正黑體" panose="020B0604030504040204" pitchFamily="34" charset="-120"/>
-                <a:ea typeface="微軟正黑體" panose="020B0604030504040204" pitchFamily="34" charset="-120"/>
-              </a:rPr>
-              <a:t>載入模型設定</a:t>
-            </a:r>
-            <a:endParaRPr lang="en-US" altLang="zh-TW" sz="3200" dirty="0">
-              <a:latin typeface="微軟正黑體" panose="020B0604030504040204" pitchFamily="34" charset="-120"/>
-              <a:ea typeface="微軟正黑體" panose="020B0604030504040204" pitchFamily="34" charset="-120"/>
-            </a:endParaRPr>
-          </a:p>
-          <a:p>
-            <a:pPr marL="514350" indent="-514350">
-              <a:buFont typeface="Arial" panose="020B0604020202020204" pitchFamily="34" charset="0"/>
-              <a:buChar char="•"/>
-            </a:pPr>
-            <a:r>
-              <a:rPr lang="zh-TW" altLang="en-US" sz="3200" dirty="0">
-                <a:latin typeface="微軟正黑體" panose="020B0604030504040204" pitchFamily="34" charset="-120"/>
-                <a:ea typeface="微軟正黑體" panose="020B0604030504040204" pitchFamily="34" charset="-120"/>
-              </a:rPr>
-              <a:t>載入預訓練模型</a:t>
-            </a:r>
-            <a:endParaRPr lang="en-US" altLang="zh-TW" sz="3200" dirty="0">
-              <a:latin typeface="微軟正黑體" panose="020B0604030504040204" pitchFamily="34" charset="-120"/>
-              <a:ea typeface="微軟正黑體" panose="020B0604030504040204" pitchFamily="34" charset="-120"/>
-            </a:endParaRPr>
-          </a:p>
-          <a:p>
-            <a:pPr marL="514350" indent="-514350">
-              <a:buFont typeface="Arial" panose="020B0604020202020204" pitchFamily="34" charset="0"/>
-              <a:buChar char="•"/>
-            </a:pPr>
-            <a:r>
-              <a:rPr lang="zh-TW" altLang="en-US" sz="3200" dirty="0">
-                <a:latin typeface="微軟正黑體" panose="020B0604030504040204" pitchFamily="34" charset="-120"/>
-                <a:ea typeface="微軟正黑體" panose="020B0604030504040204" pitchFamily="34" charset="-120"/>
-              </a:rPr>
-              <a:t>儲存模型</a:t>
-            </a:r>
-            <a:endParaRPr lang="en-US" altLang="zh-TW" sz="3200" dirty="0">
-              <a:latin typeface="微軟正黑體" panose="020B0604030504040204" pitchFamily="34" charset="-120"/>
-              <a:ea typeface="微軟正黑體" panose="020B0604030504040204" pitchFamily="34" charset="-120"/>
-            </a:endParaRPr>
-          </a:p>
-        </p:txBody>
-      </p:sp>
-      <p:sp>
-        <p:nvSpPr>
-          <p:cNvPr id="4" name="文字版面配置區 2"/>
-          <p:cNvSpPr txBox="1">
-            <a:spLocks/>
-          </p:cNvSpPr>
-          <p:nvPr/>
-        </p:nvSpPr>
-        <p:spPr>
-          <a:xfrm>
-            <a:off x="1295400" y="304800"/>
-            <a:ext cx="6477000" cy="990600"/>
-          </a:xfrm>
-          <a:prstGeom prst="rect">
-            <a:avLst/>
-          </a:prstGeom>
-        </p:spPr>
-        <p:txBody>
-          <a:bodyPr tIns="91440" bIns="91440" anchor="b" anchorCtr="0">
-            <a:noAutofit/>
-          </a:bodyPr>
-          <a:lstStyle/>
-          <a:p>
-            <a:pPr marL="0" marR="0" lvl="0" indent="0" algn="just" defTabSz="914400" rtl="0" eaLnBrk="1" fontAlgn="auto" latinLnBrk="0" hangingPunct="1">
-              <a:lnSpc>
-                <a:spcPct val="100000"/>
-              </a:lnSpc>
-              <a:spcBef>
-                <a:spcPct val="20000"/>
-              </a:spcBef>
-              <a:spcAft>
-                <a:spcPts val="0"/>
-              </a:spcAft>
-              <a:buClrTx/>
-              <a:buSzTx/>
-              <a:buFontTx/>
-              <a:buNone/>
-              <a:tabLst/>
-              <a:defRPr/>
-            </a:pPr>
-            <a:r>
-              <a:rPr kumimoji="0" lang="en-US" altLang="zh-TW" sz="4800" b="1" i="0" u="none" strike="noStrike" kern="0" cap="none" spc="0" normalizeH="0" baseline="0" noProof="0" dirty="0">
-                <a:ln>
-                  <a:noFill/>
-                </a:ln>
-                <a:solidFill>
-                  <a:srgbClr val="00B0F0"/>
-                </a:solidFill>
-                <a:effectLst>
-                  <a:outerShdw blurRad="38100" dist="38100" dir="2700000" algn="tl">
-                    <a:srgbClr val="000000">
-                      <a:alpha val="43137"/>
-                    </a:srgbClr>
-                  </a:outerShdw>
-                </a:effectLst>
-                <a:uLnTx/>
-                <a:uFillTx/>
-                <a:latin typeface="微軟正黑體" panose="020B0604030504040204" pitchFamily="34" charset="-120"/>
-                <a:ea typeface="微軟正黑體" panose="020B0604030504040204" pitchFamily="34" charset="-120"/>
-                <a:cs typeface="+mn-cs"/>
-              </a:rPr>
-              <a:t>8. </a:t>
-            </a:r>
-            <a:r>
-              <a:rPr kumimoji="0" lang="zh-TW" altLang="en-US" sz="4800" b="1" i="0" u="none" strike="noStrike" kern="0" cap="none" spc="0" normalizeH="0" baseline="0" noProof="0" dirty="0">
-                <a:ln>
-                  <a:noFill/>
-                </a:ln>
-                <a:solidFill>
-                  <a:srgbClr val="00B0F0"/>
-                </a:solidFill>
-                <a:effectLst>
-                  <a:outerShdw blurRad="38100" dist="38100" dir="2700000" algn="tl">
-                    <a:srgbClr val="000000">
-                      <a:alpha val="43137"/>
-                    </a:srgbClr>
-                  </a:outerShdw>
-                </a:effectLst>
-                <a:uLnTx/>
-                <a:uFillTx/>
-                <a:latin typeface="微軟正黑體" panose="020B0604030504040204" pitchFamily="34" charset="-120"/>
-                <a:ea typeface="微軟正黑體" panose="020B0604030504040204" pitchFamily="34" charset="-120"/>
-                <a:cs typeface="+mn-cs"/>
-              </a:rPr>
-              <a:t>模型</a:t>
-            </a:r>
-          </a:p>
-        </p:txBody>
-      </p:sp>
-    </p:spTree>
-    <p:extLst>
-      <p:ext uri="{BB962C8B-B14F-4D97-AF65-F5344CB8AC3E}">
-        <p14:creationId xmlns:p14="http://schemas.microsoft.com/office/powerpoint/2010/main" val="2724526929"/>
-      </p:ext>
-    </p:extLst>
-  </p:cSld>
-  <p:clrMapOvr>
-    <a:masterClrMapping/>
-  </p:clrMapOvr>
-  <p:transition>
-    <p:fade/>
-  </p:transition>
-</p:sld>
-</file>
-
-<file path=ppt/slides/slide19.xml><?xml version="1.0" encoding="utf-8"?>
-<p:sld xmlns:a="http://schemas.openxmlformats.org/drawingml/2006/main" xmlns:r="http://schemas.openxmlformats.org/officeDocument/2006/relationships" xmlns:p="http://schemas.openxmlformats.org/presentationml/2006/main">
-  <p:cSld>
-    <p:spTree>
-      <p:nvGrpSpPr>
-        <p:cNvPr id="1" name=""/>
-        <p:cNvGrpSpPr/>
-        <p:nvPr/>
-      </p:nvGrpSpPr>
-      <p:grpSpPr>
-        <a:xfrm>
-          <a:off x="0" y="0"/>
-          <a:ext cx="0" cy="0"/>
-          <a:chOff x="0" y="0"/>
-          <a:chExt cx="0" cy="0"/>
-        </a:xfrm>
-      </p:grpSpPr>
-      <p:sp>
-        <p:nvSpPr>
-          <p:cNvPr id="5" name="文字方塊 4"/>
-          <p:cNvSpPr txBox="1"/>
-          <p:nvPr/>
-        </p:nvSpPr>
-        <p:spPr>
-          <a:xfrm>
-            <a:off x="685800" y="1828800"/>
-            <a:ext cx="8077200" cy="4524315"/>
-          </a:xfrm>
-          <a:prstGeom prst="rect">
-            <a:avLst/>
-          </a:prstGeom>
-          <a:noFill/>
-        </p:spPr>
-        <p:txBody>
-          <a:bodyPr wrap="square" rtlCol="0">
-            <a:spAutoFit/>
-          </a:bodyPr>
-          <a:lstStyle/>
-          <a:p>
-            <a:pPr marL="514350" indent="-514350">
-              <a:buFont typeface="Arial" panose="020B0604020202020204" pitchFamily="34" charset="0"/>
-              <a:buChar char="•"/>
-            </a:pPr>
-            <a:r>
-              <a:rPr lang="zh-TW" altLang="en-US" sz="3200" dirty="0">
-                <a:latin typeface="微軟正黑體" panose="020B0604030504040204" pitchFamily="34" charset="-120"/>
-                <a:ea typeface="微軟正黑體" panose="020B0604030504040204" pitchFamily="34" charset="-120"/>
-              </a:rPr>
-              <a:t>基於詞的</a:t>
-            </a:r>
-            <a:r>
-              <a:rPr lang="en-US" altLang="zh-TW" sz="3200" dirty="0">
-                <a:latin typeface="微軟正黑體" panose="020B0604030504040204" pitchFamily="34" charset="-120"/>
-                <a:ea typeface="微軟正黑體" panose="020B0604030504040204" pitchFamily="34" charset="-120"/>
-              </a:rPr>
-              <a:t>(Word-based)</a:t>
-            </a:r>
-          </a:p>
-          <a:p>
-            <a:pPr marL="514350" indent="-514350">
-              <a:buFont typeface="Arial" panose="020B0604020202020204" pitchFamily="34" charset="0"/>
-              <a:buChar char="•"/>
-            </a:pPr>
-            <a:r>
-              <a:rPr lang="zh-TW" altLang="en-US" sz="3200" dirty="0">
-                <a:latin typeface="微軟正黑體" panose="020B0604030504040204" pitchFamily="34" charset="-120"/>
-                <a:ea typeface="微軟正黑體" panose="020B0604030504040204" pitchFamily="34" charset="-120"/>
-              </a:rPr>
-              <a:t>基於字符</a:t>
-            </a:r>
-            <a:r>
-              <a:rPr lang="en-US" altLang="zh-TW" sz="3200" dirty="0">
-                <a:latin typeface="微軟正黑體" panose="020B0604030504040204" pitchFamily="34" charset="-120"/>
-                <a:ea typeface="微軟正黑體" panose="020B0604030504040204" pitchFamily="34" charset="-120"/>
-              </a:rPr>
-              <a:t>(Character-based)</a:t>
-            </a:r>
-          </a:p>
-          <a:p>
-            <a:pPr marL="514350" indent="-514350">
-              <a:buFont typeface="Arial" panose="020B0604020202020204" pitchFamily="34" charset="0"/>
-              <a:buChar char="•"/>
-            </a:pPr>
-            <a:r>
-              <a:rPr lang="zh-TW" altLang="en-US" sz="3200" dirty="0">
-                <a:latin typeface="微軟正黑體" panose="020B0604030504040204" pitchFamily="34" charset="-120"/>
-                <a:ea typeface="微軟正黑體" panose="020B0604030504040204" pitchFamily="34" charset="-120"/>
-              </a:rPr>
-              <a:t>子詞標記化</a:t>
-            </a:r>
-            <a:endParaRPr lang="en-US" altLang="zh-TW" sz="3200" dirty="0">
-              <a:latin typeface="微軟正黑體" panose="020B0604030504040204" pitchFamily="34" charset="-120"/>
-              <a:ea typeface="微軟正黑體" panose="020B0604030504040204" pitchFamily="34" charset="-120"/>
-            </a:endParaRPr>
-          </a:p>
-          <a:p>
-            <a:pPr marL="514350" indent="-514350">
-              <a:buFont typeface="Arial" panose="020B0604020202020204" pitchFamily="34" charset="0"/>
-              <a:buChar char="•"/>
-            </a:pPr>
-            <a:r>
-              <a:rPr lang="zh-TW" altLang="en-US" sz="3200" dirty="0">
-                <a:latin typeface="微軟正黑體" panose="020B0604030504040204" pitchFamily="34" charset="-120"/>
-                <a:ea typeface="微軟正黑體" panose="020B0604030504040204" pitchFamily="34" charset="-120"/>
-              </a:rPr>
-              <a:t>其它分詞方式</a:t>
-            </a:r>
-            <a:endParaRPr lang="en-US" altLang="zh-TW" sz="3200" dirty="0">
-              <a:latin typeface="微軟正黑體" panose="020B0604030504040204" pitchFamily="34" charset="-120"/>
-              <a:ea typeface="微軟正黑體" panose="020B0604030504040204" pitchFamily="34" charset="-120"/>
-            </a:endParaRPr>
-          </a:p>
-          <a:p>
-            <a:pPr marL="514350" indent="-514350">
-              <a:buFont typeface="Arial" panose="020B0604020202020204" pitchFamily="34" charset="0"/>
-              <a:buChar char="•"/>
-            </a:pPr>
-            <a:r>
-              <a:rPr lang="zh-TW" altLang="en-US" sz="3200" dirty="0">
-                <a:latin typeface="微軟正黑體" panose="020B0604030504040204" pitchFamily="34" charset="-120"/>
-                <a:ea typeface="微軟正黑體" panose="020B0604030504040204" pitchFamily="34" charset="-120"/>
-              </a:rPr>
-              <a:t>加載和保存</a:t>
-            </a:r>
-            <a:endParaRPr lang="en-US" altLang="zh-TW" sz="3200" dirty="0">
-              <a:latin typeface="微軟正黑體" panose="020B0604030504040204" pitchFamily="34" charset="-120"/>
-              <a:ea typeface="微軟正黑體" panose="020B0604030504040204" pitchFamily="34" charset="-120"/>
-            </a:endParaRPr>
-          </a:p>
-          <a:p>
-            <a:pPr marL="514350" indent="-514350">
-              <a:buFont typeface="Arial" panose="020B0604020202020204" pitchFamily="34" charset="0"/>
-              <a:buChar char="•"/>
-            </a:pPr>
-            <a:r>
-              <a:rPr lang="zh-TW" altLang="en-US" sz="3200" dirty="0">
-                <a:latin typeface="微軟正黑體" panose="020B0604030504040204" pitchFamily="34" charset="-120"/>
-                <a:ea typeface="微軟正黑體" panose="020B0604030504040204" pitchFamily="34" charset="-120"/>
-              </a:rPr>
-              <a:t>編碼</a:t>
-            </a:r>
-            <a:endParaRPr lang="en-US" altLang="zh-TW" sz="3200" dirty="0">
-              <a:latin typeface="微軟正黑體" panose="020B0604030504040204" pitchFamily="34" charset="-120"/>
-              <a:ea typeface="微軟正黑體" panose="020B0604030504040204" pitchFamily="34" charset="-120"/>
-            </a:endParaRPr>
-          </a:p>
-          <a:p>
-            <a:pPr marL="514350" indent="-514350">
-              <a:buFont typeface="Arial" panose="020B0604020202020204" pitchFamily="34" charset="0"/>
-              <a:buChar char="•"/>
-            </a:pPr>
-            <a:r>
-              <a:rPr lang="zh-TW" altLang="en-US" sz="3200" dirty="0">
-                <a:latin typeface="微軟正黑體" panose="020B0604030504040204" pitchFamily="34" charset="-120"/>
-                <a:ea typeface="微軟正黑體" panose="020B0604030504040204" pitchFamily="34" charset="-120"/>
-              </a:rPr>
-              <a:t>標記化</a:t>
-            </a:r>
-            <a:endParaRPr lang="en-US" altLang="zh-TW" sz="3200" dirty="0">
-              <a:latin typeface="微軟正黑體" panose="020B0604030504040204" pitchFamily="34" charset="-120"/>
-              <a:ea typeface="微軟正黑體" panose="020B0604030504040204" pitchFamily="34" charset="-120"/>
-            </a:endParaRPr>
-          </a:p>
-          <a:p>
-            <a:pPr marL="514350" indent="-514350">
-              <a:buFont typeface="Arial" panose="020B0604020202020204" pitchFamily="34" charset="0"/>
-              <a:buChar char="•"/>
-            </a:pPr>
-            <a:r>
-              <a:rPr lang="zh-TW" altLang="en-US" sz="3200" dirty="0">
-                <a:latin typeface="微軟正黑體" panose="020B0604030504040204" pitchFamily="34" charset="-120"/>
-                <a:ea typeface="微軟正黑體" panose="020B0604030504040204" pitchFamily="34" charset="-120"/>
-              </a:rPr>
-              <a:t>從詞符</a:t>
-            </a:r>
-            <a:r>
-              <a:rPr lang="en-US" altLang="zh-TW" sz="3200" dirty="0">
-                <a:latin typeface="微軟正黑體" panose="020B0604030504040204" pitchFamily="34" charset="-120"/>
-                <a:ea typeface="微軟正黑體" panose="020B0604030504040204" pitchFamily="34" charset="-120"/>
-              </a:rPr>
-              <a:t>(token)</a:t>
-            </a:r>
-            <a:r>
-              <a:rPr lang="zh-TW" altLang="en-US" sz="3200" dirty="0">
-                <a:latin typeface="微軟正黑體" panose="020B0604030504040204" pitchFamily="34" charset="-120"/>
-                <a:ea typeface="微軟正黑體" panose="020B0604030504040204" pitchFamily="34" charset="-120"/>
-              </a:rPr>
-              <a:t>到輸入 </a:t>
-            </a:r>
-            <a:r>
-              <a:rPr lang="en-US" altLang="zh-TW" sz="3200" dirty="0">
-                <a:latin typeface="微軟正黑體" panose="020B0604030504040204" pitchFamily="34" charset="-120"/>
-                <a:ea typeface="微軟正黑體" panose="020B0604030504040204" pitchFamily="34" charset="-120"/>
-              </a:rPr>
-              <a:t>ID</a:t>
-            </a:r>
-          </a:p>
-          <a:p>
-            <a:pPr marL="514350" indent="-514350">
-              <a:buFont typeface="Arial" panose="020B0604020202020204" pitchFamily="34" charset="0"/>
-              <a:buChar char="•"/>
-            </a:pPr>
-            <a:r>
-              <a:rPr lang="zh-TW" altLang="en-US" sz="3200" dirty="0">
-                <a:latin typeface="微軟正黑體" panose="020B0604030504040204" pitchFamily="34" charset="-120"/>
-                <a:ea typeface="微軟正黑體" panose="020B0604030504040204" pitchFamily="34" charset="-120"/>
-              </a:rPr>
-              <a:t>解碼</a:t>
-            </a:r>
-            <a:endParaRPr lang="en-US" altLang="zh-TW" sz="3200" dirty="0">
-              <a:latin typeface="微軟正黑體" panose="020B0604030504040204" pitchFamily="34" charset="-120"/>
-              <a:ea typeface="微軟正黑體" panose="020B0604030504040204" pitchFamily="34" charset="-120"/>
-            </a:endParaRPr>
-          </a:p>
-        </p:txBody>
-      </p:sp>
-      <p:sp>
-        <p:nvSpPr>
-          <p:cNvPr id="4" name="文字版面配置區 2"/>
-          <p:cNvSpPr txBox="1">
-            <a:spLocks/>
-          </p:cNvSpPr>
-          <p:nvPr/>
-        </p:nvSpPr>
-        <p:spPr>
-          <a:xfrm>
-            <a:off x="1295400" y="304800"/>
-            <a:ext cx="6477000" cy="990600"/>
-          </a:xfrm>
-          <a:prstGeom prst="rect">
-            <a:avLst/>
-          </a:prstGeom>
-        </p:spPr>
-        <p:txBody>
-          <a:bodyPr tIns="91440" bIns="91440" anchor="b" anchorCtr="0">
-            <a:noAutofit/>
-          </a:bodyPr>
-          <a:lstStyle/>
-          <a:p>
-            <a:pPr marL="0" marR="0" lvl="0" indent="0" algn="just" defTabSz="914400" rtl="0" eaLnBrk="1" fontAlgn="auto" latinLnBrk="0" hangingPunct="1">
-              <a:lnSpc>
-                <a:spcPct val="100000"/>
-              </a:lnSpc>
-              <a:spcBef>
-                <a:spcPct val="20000"/>
-              </a:spcBef>
-              <a:spcAft>
-                <a:spcPts val="0"/>
-              </a:spcAft>
-              <a:buClrTx/>
-              <a:buSzTx/>
-              <a:buFontTx/>
-              <a:buNone/>
-              <a:tabLst/>
-              <a:defRPr/>
-            </a:pPr>
-            <a:r>
-              <a:rPr kumimoji="0" lang="en-US" altLang="zh-TW" sz="4800" b="1" i="0" u="none" strike="noStrike" kern="0" cap="none" spc="0" normalizeH="0" baseline="0" noProof="0" dirty="0">
-                <a:ln>
-                  <a:noFill/>
-                </a:ln>
-                <a:solidFill>
-                  <a:srgbClr val="00B0F0"/>
-                </a:solidFill>
-                <a:effectLst>
-                  <a:outerShdw blurRad="38100" dist="38100" dir="2700000" algn="tl">
-                    <a:srgbClr val="000000">
-                      <a:alpha val="43137"/>
-                    </a:srgbClr>
-                  </a:outerShdw>
-                </a:effectLst>
-                <a:uLnTx/>
-                <a:uFillTx/>
-                <a:latin typeface="微軟正黑體" panose="020B0604030504040204" pitchFamily="34" charset="-120"/>
-                <a:ea typeface="微軟正黑體" panose="020B0604030504040204" pitchFamily="34" charset="-120"/>
-                <a:cs typeface="+mn-cs"/>
-              </a:rPr>
-              <a:t>9. </a:t>
-            </a:r>
-            <a:r>
-              <a:rPr kumimoji="0" lang="zh-TW" altLang="en-US" sz="4800" b="1" i="0" u="none" strike="noStrike" kern="0" cap="none" spc="0" normalizeH="0" baseline="0" noProof="0" dirty="0">
-                <a:ln>
-                  <a:noFill/>
-                </a:ln>
-                <a:solidFill>
-                  <a:srgbClr val="00B0F0"/>
-                </a:solidFill>
-                <a:effectLst>
-                  <a:outerShdw blurRad="38100" dist="38100" dir="2700000" algn="tl">
-                    <a:srgbClr val="000000">
-                      <a:alpha val="43137"/>
-                    </a:srgbClr>
-                  </a:outerShdw>
-                </a:effectLst>
-                <a:uLnTx/>
-                <a:uFillTx/>
-                <a:latin typeface="微軟正黑體" panose="020B0604030504040204" pitchFamily="34" charset="-120"/>
-                <a:ea typeface="微軟正黑體" panose="020B0604030504040204" pitchFamily="34" charset="-120"/>
-                <a:cs typeface="+mn-cs"/>
-              </a:rPr>
-              <a:t>分詞器</a:t>
-            </a:r>
-            <a:r>
-              <a:rPr kumimoji="0" lang="en-US" altLang="zh-TW" sz="4800" b="1" i="0" u="none" strike="noStrike" kern="0" cap="none" spc="0" normalizeH="0" baseline="0" noProof="0" dirty="0">
-                <a:ln>
-                  <a:noFill/>
-                </a:ln>
-                <a:solidFill>
-                  <a:srgbClr val="00B0F0"/>
-                </a:solidFill>
-                <a:effectLst>
-                  <a:outerShdw blurRad="38100" dist="38100" dir="2700000" algn="tl">
-                    <a:srgbClr val="000000">
-                      <a:alpha val="43137"/>
-                    </a:srgbClr>
-                  </a:outerShdw>
-                </a:effectLst>
-                <a:uLnTx/>
-                <a:uFillTx/>
-                <a:latin typeface="微軟正黑體" panose="020B0604030504040204" pitchFamily="34" charset="-120"/>
-                <a:ea typeface="微軟正黑體" panose="020B0604030504040204" pitchFamily="34" charset="-120"/>
-                <a:cs typeface="+mn-cs"/>
-              </a:rPr>
-              <a:t>(Tokenizer)</a:t>
-            </a:r>
-            <a:endParaRPr kumimoji="0" lang="zh-TW" altLang="en-US" sz="4800" b="1" i="0" u="none" strike="noStrike" kern="0" cap="none" spc="0" normalizeH="0" baseline="0" noProof="0" dirty="0">
-              <a:ln>
-                <a:noFill/>
-              </a:ln>
-              <a:solidFill>
-                <a:srgbClr val="00B0F0"/>
-              </a:solidFill>
-              <a:effectLst>
-                <a:outerShdw blurRad="38100" dist="38100" dir="2700000" algn="tl">
-                  <a:srgbClr val="000000">
-                    <a:alpha val="43137"/>
-                  </a:srgbClr>
-                </a:outerShdw>
-              </a:effectLst>
-              <a:uLnTx/>
-              <a:uFillTx/>
-              <a:latin typeface="微軟正黑體" panose="020B0604030504040204" pitchFamily="34" charset="-120"/>
-              <a:ea typeface="微軟正黑體" panose="020B0604030504040204" pitchFamily="34" charset="-120"/>
-              <a:cs typeface="+mn-cs"/>
-            </a:endParaRPr>
-          </a:p>
-        </p:txBody>
-      </p:sp>
-    </p:spTree>
-    <p:extLst>
-      <p:ext uri="{BB962C8B-B14F-4D97-AF65-F5344CB8AC3E}">
-        <p14:creationId xmlns:p14="http://schemas.microsoft.com/office/powerpoint/2010/main" val="2000646213"/>
+        <p14:creationId xmlns:p14="http://schemas.microsoft.com/office/powerpoint/2010/main" val="376420329"/>
       </p:ext>
     </p:extLst>
   </p:cSld>
@@ -12795,233 +11343,6 @@
     <p:extLst>
       <p:ext uri="{BB962C8B-B14F-4D97-AF65-F5344CB8AC3E}">
         <p14:creationId xmlns:p14="http://schemas.microsoft.com/office/powerpoint/2010/main" val="3933910064"/>
-      </p:ext>
-    </p:extLst>
-  </p:cSld>
-  <p:clrMapOvr>
-    <a:masterClrMapping/>
-  </p:clrMapOvr>
-  <p:transition>
-    <p:fade/>
-  </p:transition>
-</p:sld>
-</file>
-
-<file path=ppt/slides/slide20.xml><?xml version="1.0" encoding="utf-8"?>
-<p:sld xmlns:a="http://schemas.openxmlformats.org/drawingml/2006/main" xmlns:r="http://schemas.openxmlformats.org/officeDocument/2006/relationships" xmlns:p="http://schemas.openxmlformats.org/presentationml/2006/main">
-  <p:cSld>
-    <p:spTree>
-      <p:nvGrpSpPr>
-        <p:cNvPr id="1" name=""/>
-        <p:cNvGrpSpPr/>
-        <p:nvPr/>
-      </p:nvGrpSpPr>
-      <p:grpSpPr>
-        <a:xfrm>
-          <a:off x="0" y="0"/>
-          <a:ext cx="0" cy="0"/>
-          <a:chOff x="0" y="0"/>
-          <a:chExt cx="0" cy="0"/>
-        </a:xfrm>
-      </p:grpSpPr>
-      <p:sp>
-        <p:nvSpPr>
-          <p:cNvPr id="5" name="文字方塊 4"/>
-          <p:cNvSpPr txBox="1"/>
-          <p:nvPr/>
-        </p:nvSpPr>
-        <p:spPr>
-          <a:xfrm>
-            <a:off x="685800" y="1828800"/>
-            <a:ext cx="8077200" cy="2062103"/>
-          </a:xfrm>
-          <a:prstGeom prst="rect">
-            <a:avLst/>
-          </a:prstGeom>
-          <a:noFill/>
-        </p:spPr>
-        <p:txBody>
-          <a:bodyPr wrap="square" rtlCol="0">
-            <a:spAutoFit/>
-          </a:bodyPr>
-          <a:lstStyle/>
-          <a:p>
-            <a:pPr marL="514350" indent="-514350">
-              <a:buFont typeface="Arial" panose="020B0604020202020204" pitchFamily="34" charset="0"/>
-              <a:buChar char="•"/>
-            </a:pPr>
-            <a:r>
-              <a:rPr lang="zh-TW" altLang="en-US" sz="3200" dirty="0">
-                <a:latin typeface="微軟正黑體" panose="020B0604030504040204" pitchFamily="34" charset="-120"/>
-                <a:ea typeface="微軟正黑體" panose="020B0604030504040204" pitchFamily="34" charset="-120"/>
-              </a:rPr>
-              <a:t>批次化輸入</a:t>
-            </a:r>
-            <a:endParaRPr lang="en-US" altLang="zh-TW" sz="3200" dirty="0">
-              <a:latin typeface="微軟正黑體" panose="020B0604030504040204" pitchFamily="34" charset="-120"/>
-              <a:ea typeface="微軟正黑體" panose="020B0604030504040204" pitchFamily="34" charset="-120"/>
-            </a:endParaRPr>
-          </a:p>
-          <a:p>
-            <a:pPr marL="514350" indent="-514350">
-              <a:buFont typeface="Arial" panose="020B0604020202020204" pitchFamily="34" charset="0"/>
-              <a:buChar char="•"/>
-            </a:pPr>
-            <a:r>
-              <a:rPr lang="zh-TW" altLang="en-US" sz="3200" dirty="0">
-                <a:latin typeface="微軟正黑體" panose="020B0604030504040204" pitchFamily="34" charset="-120"/>
-                <a:ea typeface="微軟正黑體" panose="020B0604030504040204" pitchFamily="34" charset="-120"/>
-              </a:rPr>
-              <a:t>填充輸入</a:t>
-            </a:r>
-            <a:endParaRPr lang="en-US" altLang="zh-TW" sz="3200" dirty="0">
-              <a:latin typeface="微軟正黑體" panose="020B0604030504040204" pitchFamily="34" charset="-120"/>
-              <a:ea typeface="微軟正黑體" panose="020B0604030504040204" pitchFamily="34" charset="-120"/>
-            </a:endParaRPr>
-          </a:p>
-          <a:p>
-            <a:pPr marL="514350" indent="-514350">
-              <a:buFont typeface="Arial" panose="020B0604020202020204" pitchFamily="34" charset="0"/>
-              <a:buChar char="•"/>
-            </a:pPr>
-            <a:r>
-              <a:rPr lang="zh-TW" altLang="en-US" sz="3200" dirty="0">
-                <a:latin typeface="微軟正黑體" panose="020B0604030504040204" pitchFamily="34" charset="-120"/>
-                <a:ea typeface="微軟正黑體" panose="020B0604030504040204" pitchFamily="34" charset="-120"/>
-              </a:rPr>
-              <a:t>注意力遮罩（</a:t>
-            </a:r>
-            <a:r>
-              <a:rPr lang="en-US" altLang="zh-TW" sz="3200" dirty="0">
-                <a:latin typeface="微軟正黑體" panose="020B0604030504040204" pitchFamily="34" charset="-120"/>
-                <a:ea typeface="微軟正黑體" panose="020B0604030504040204" pitchFamily="34" charset="-120"/>
-              </a:rPr>
-              <a:t>Attention masks</a:t>
-            </a:r>
-            <a:r>
-              <a:rPr lang="zh-TW" altLang="en-US" sz="3200" dirty="0">
-                <a:latin typeface="微軟正黑體" panose="020B0604030504040204" pitchFamily="34" charset="-120"/>
-                <a:ea typeface="微軟正黑體" panose="020B0604030504040204" pitchFamily="34" charset="-120"/>
-              </a:rPr>
-              <a:t>）</a:t>
-            </a:r>
-            <a:endParaRPr lang="en-US" altLang="zh-TW" sz="3200" dirty="0">
-              <a:latin typeface="微軟正黑體" panose="020B0604030504040204" pitchFamily="34" charset="-120"/>
-              <a:ea typeface="微軟正黑體" panose="020B0604030504040204" pitchFamily="34" charset="-120"/>
-            </a:endParaRPr>
-          </a:p>
-          <a:p>
-            <a:pPr marL="514350" indent="-514350">
-              <a:buFont typeface="Arial" panose="020B0604020202020204" pitchFamily="34" charset="0"/>
-              <a:buChar char="•"/>
-            </a:pPr>
-            <a:r>
-              <a:rPr lang="zh-TW" altLang="en-US" sz="3200" dirty="0">
-                <a:latin typeface="微軟正黑體" panose="020B0604030504040204" pitchFamily="34" charset="-120"/>
-                <a:ea typeface="微軟正黑體" panose="020B0604030504040204" pitchFamily="34" charset="-120"/>
-              </a:rPr>
-              <a:t>長序列</a:t>
-            </a:r>
-            <a:endParaRPr lang="en-US" altLang="zh-TW" sz="3200" dirty="0">
-              <a:latin typeface="微軟正黑體" panose="020B0604030504040204" pitchFamily="34" charset="-120"/>
-              <a:ea typeface="微軟正黑體" panose="020B0604030504040204" pitchFamily="34" charset="-120"/>
-            </a:endParaRPr>
-          </a:p>
-        </p:txBody>
-      </p:sp>
-      <p:sp>
-        <p:nvSpPr>
-          <p:cNvPr id="4" name="文字版面配置區 2"/>
-          <p:cNvSpPr txBox="1">
-            <a:spLocks/>
-          </p:cNvSpPr>
-          <p:nvPr/>
-        </p:nvSpPr>
-        <p:spPr>
-          <a:xfrm>
-            <a:off x="1295400" y="304800"/>
-            <a:ext cx="6477000" cy="990600"/>
-          </a:xfrm>
-          <a:prstGeom prst="rect">
-            <a:avLst/>
-          </a:prstGeom>
-        </p:spPr>
-        <p:txBody>
-          <a:bodyPr tIns="91440" bIns="91440" anchor="b" anchorCtr="0">
-            <a:noAutofit/>
-          </a:bodyPr>
-          <a:lstStyle/>
-          <a:p>
-            <a:pPr marL="0" marR="0" lvl="0" indent="0" algn="just" defTabSz="914400" rtl="0" eaLnBrk="1" fontAlgn="auto" latinLnBrk="0" hangingPunct="1">
-              <a:lnSpc>
-                <a:spcPct val="100000"/>
-              </a:lnSpc>
-              <a:spcBef>
-                <a:spcPct val="20000"/>
-              </a:spcBef>
-              <a:spcAft>
-                <a:spcPts val="0"/>
-              </a:spcAft>
-              <a:buClrTx/>
-              <a:buSzTx/>
-              <a:buFontTx/>
-              <a:buNone/>
-              <a:tabLst/>
-              <a:defRPr/>
-            </a:pPr>
-            <a:r>
-              <a:rPr kumimoji="0" lang="en-US" altLang="zh-TW" sz="4800" b="1" i="0" u="none" strike="noStrike" kern="0" cap="none" spc="0" normalizeH="0" baseline="0" noProof="0" dirty="0">
-                <a:ln>
-                  <a:noFill/>
-                </a:ln>
-                <a:solidFill>
-                  <a:srgbClr val="00B0F0"/>
-                </a:solidFill>
-                <a:effectLst>
-                  <a:outerShdw blurRad="38100" dist="38100" dir="2700000" algn="tl">
-                    <a:srgbClr val="000000">
-                      <a:alpha val="43137"/>
-                    </a:srgbClr>
-                  </a:outerShdw>
-                </a:effectLst>
-                <a:uLnTx/>
-                <a:uFillTx/>
-                <a:latin typeface="微軟正黑體" panose="020B0604030504040204" pitchFamily="34" charset="-120"/>
-                <a:ea typeface="微軟正黑體" panose="020B0604030504040204" pitchFamily="34" charset="-120"/>
-                <a:cs typeface="+mn-cs"/>
-              </a:rPr>
-              <a:t>10. </a:t>
-            </a:r>
-            <a:r>
-              <a:rPr kumimoji="0" lang="zh-TW" altLang="en-US" sz="4800" b="1" i="0" u="none" strike="noStrike" kern="0" cap="none" spc="0" normalizeH="0" baseline="0" noProof="0" dirty="0">
-                <a:ln>
-                  <a:noFill/>
-                </a:ln>
-                <a:solidFill>
-                  <a:srgbClr val="00B0F0"/>
-                </a:solidFill>
-                <a:effectLst>
-                  <a:outerShdw blurRad="38100" dist="38100" dir="2700000" algn="tl">
-                    <a:srgbClr val="000000">
-                      <a:alpha val="43137"/>
-                    </a:srgbClr>
-                  </a:outerShdw>
-                </a:effectLst>
-                <a:uLnTx/>
-                <a:uFillTx/>
-                <a:latin typeface="微軟正黑體" panose="020B0604030504040204" pitchFamily="34" charset="-120"/>
-                <a:ea typeface="微軟正黑體" panose="020B0604030504040204" pitchFamily="34" charset="-120"/>
-                <a:cs typeface="+mn-cs"/>
-              </a:rPr>
-              <a:t>處理多個序列</a:t>
-            </a:r>
-          </a:p>
-        </p:txBody>
-      </p:sp>
-    </p:spTree>
-    <p:extLst>
-      <p:ext uri="{BB962C8B-B14F-4D97-AF65-F5344CB8AC3E}">
-        <p14:creationId xmlns:p14="http://schemas.microsoft.com/office/powerpoint/2010/main" val="376420329"/>
       </p:ext>
     </p:extLst>
   </p:cSld>
@@ -14335,6 +12656,63 @@
       </p:grpSpPr>
       <p:sp>
         <p:nvSpPr>
+          <p:cNvPr id="5" name="文字方塊 4"/>
+          <p:cNvSpPr txBox="1"/>
+          <p:nvPr/>
+        </p:nvSpPr>
+        <p:spPr>
+          <a:xfrm>
+            <a:off x="685800" y="1828800"/>
+            <a:ext cx="8077200" cy="1077218"/>
+          </a:xfrm>
+          <a:prstGeom prst="rect">
+            <a:avLst/>
+          </a:prstGeom>
+          <a:noFill/>
+        </p:spPr>
+        <p:txBody>
+          <a:bodyPr wrap="square" rtlCol="0">
+            <a:spAutoFit/>
+          </a:bodyPr>
+          <a:lstStyle/>
+          <a:p>
+            <a:pPr marL="514350" indent="-514350">
+              <a:buFont typeface="Arial" panose="020B0604020202020204" pitchFamily="34" charset="0"/>
+              <a:buChar char="•"/>
+            </a:pPr>
+            <a:r>
+              <a:rPr lang="zh-TW" altLang="en-US" sz="3200" dirty="0">
+                <a:latin typeface="微軟正黑體" panose="020B0604030504040204" pitchFamily="34" charset="-120"/>
+                <a:ea typeface="微軟正黑體" panose="020B0604030504040204" pitchFamily="34" charset="-120"/>
+              </a:rPr>
+              <a:t>偏見與問題</a:t>
+            </a:r>
+            <a:endParaRPr lang="en-US" altLang="zh-TW" sz="3200" dirty="0">
+              <a:latin typeface="微軟正黑體" panose="020B0604030504040204" pitchFamily="34" charset="-120"/>
+              <a:ea typeface="微軟正黑體" panose="020B0604030504040204" pitchFamily="34" charset="-120"/>
+            </a:endParaRPr>
+          </a:p>
+          <a:p>
+            <a:pPr marL="514350" indent="-514350">
+              <a:buFont typeface="Arial" panose="020B0604020202020204" pitchFamily="34" charset="0"/>
+              <a:buChar char="•"/>
+            </a:pPr>
+            <a:r>
+              <a:rPr lang="zh-TW" altLang="en-US" sz="3200" dirty="0">
+                <a:latin typeface="微軟正黑體" panose="020B0604030504040204" pitchFamily="34" charset="-120"/>
+                <a:ea typeface="微軟正黑體" panose="020B0604030504040204" pitchFamily="34" charset="-120"/>
+              </a:rPr>
+              <a:t>範例</a:t>
+            </a:r>
+            <a:endParaRPr lang="en-US" altLang="zh-TW" sz="3200" dirty="0">
+              <a:latin typeface="微軟正黑體" panose="020B0604030504040204" pitchFamily="34" charset="-120"/>
+              <a:ea typeface="微軟正黑體" panose="020B0604030504040204" pitchFamily="34" charset="-120"/>
+            </a:endParaRPr>
+          </a:p>
+        </p:txBody>
+      </p:sp>
+      <p:sp>
+        <p:nvSpPr>
           <p:cNvPr id="4" name="文字版面配置區 2"/>
           <p:cNvSpPr txBox="1">
             <a:spLocks/>
@@ -14343,8 +12721,8 @@
         </p:nvSpPr>
         <p:spPr>
           <a:xfrm>
-            <a:off x="838200" y="250619"/>
-            <a:ext cx="7162800" cy="990600"/>
+            <a:off x="2209800" y="304800"/>
+            <a:ext cx="4267200" cy="990600"/>
           </a:xfrm>
           <a:prstGeom prst="rect">
             <a:avLst/>
@@ -14374,7 +12752,10 @@
               <a:defRPr/>
             </a:pPr>
             <a:r>
-              <a:rPr lang="zh-TW" altLang="en-US" sz="4800" b="1" kern="0" dirty="0">
+              <a:rPr kumimoji="0" lang="en-US" altLang="zh-TW" sz="4800" b="1" i="0" u="none" strike="noStrike" kern="0" cap="none" spc="0" normalizeH="0" baseline="0" noProof="0" dirty="0">
+                <a:ln>
+                  <a:noFill/>
+                </a:ln>
                 <a:solidFill>
                   <a:srgbClr val="00B0F0"/>
                 </a:solidFill>
@@ -14385,78 +12766,44 @@
                     </a:srgbClr>
                   </a:outerShdw>
                 </a:effectLst>
+                <a:uLnTx/>
+                <a:uFillTx/>
                 <a:latin typeface="微軟正黑體" panose="020B0604030504040204" pitchFamily="34" charset="-120"/>
                 <a:ea typeface="微軟正黑體" panose="020B0604030504040204" pitchFamily="34" charset="-120"/>
-              </a:rPr>
-              <a:t>什麼是序列到序列模型</a:t>
-            </a:r>
-          </a:p>
-        </p:txBody>
-      </p:sp>
-      <p:pic>
-        <p:nvPicPr>
-          <p:cNvPr id="3" name="圖片 2">
-            <a:extLst>
-              <a:ext uri="{FF2B5EF4-FFF2-40B4-BE49-F238E27FC236}">
-                <a16:creationId xmlns:a16="http://schemas.microsoft.com/office/drawing/2014/main" id="{2F1958F3-575F-74F4-C83A-6FE251C21983}"/>
-              </a:ext>
-            </a:extLst>
-          </p:cNvPr>
-          <p:cNvPicPr>
-            <a:picLocks noChangeAspect="1"/>
-          </p:cNvPicPr>
-          <p:nvPr/>
-        </p:nvPicPr>
-        <p:blipFill>
-          <a:blip r:embed="rId3"/>
-          <a:stretch>
-            <a:fillRect/>
-          </a:stretch>
-        </p:blipFill>
-        <p:spPr>
-          <a:xfrm>
-            <a:off x="762000" y="1368631"/>
-            <a:ext cx="3287023" cy="4705350"/>
-          </a:xfrm>
-          <a:prstGeom prst="rect">
-            <a:avLst/>
-          </a:prstGeom>
-        </p:spPr>
-      </p:pic>
-      <p:pic>
-        <p:nvPicPr>
-          <p:cNvPr id="7" name="圖片 6">
-            <a:extLst>
-              <a:ext uri="{FF2B5EF4-FFF2-40B4-BE49-F238E27FC236}">
-                <a16:creationId xmlns:a16="http://schemas.microsoft.com/office/drawing/2014/main" id="{1817A152-1AF1-14B8-C6F3-2BD933D64CC0}"/>
-              </a:ext>
-            </a:extLst>
-          </p:cNvPr>
-          <p:cNvPicPr>
-            <a:picLocks noChangeAspect="1"/>
-          </p:cNvPicPr>
-          <p:nvPr/>
-        </p:nvPicPr>
-        <p:blipFill>
-          <a:blip r:embed="rId4"/>
-          <a:stretch>
-            <a:fillRect/>
-          </a:stretch>
-        </p:blipFill>
-        <p:spPr>
-          <a:xfrm>
-            <a:off x="4953000" y="1368631"/>
-            <a:ext cx="3650273" cy="5372100"/>
-          </a:xfrm>
-          <a:prstGeom prst="rect">
-            <a:avLst/>
-          </a:prstGeom>
-        </p:spPr>
-      </p:pic>
+                <a:cs typeface="+mn-cs"/>
+              </a:rPr>
+              <a:t>6. </a:t>
+            </a:r>
+            <a:r>
+              <a:rPr kumimoji="0" lang="zh-TW" altLang="en-US" sz="4800" b="1" i="0" u="none" strike="noStrike" kern="0" cap="none" spc="0" normalizeH="0" baseline="0" noProof="0" dirty="0">
+                <a:ln>
+                  <a:noFill/>
+                </a:ln>
+                <a:solidFill>
+                  <a:srgbClr val="00B0F0"/>
+                </a:solidFill>
+                <a:effectLst>
+                  <a:outerShdw blurRad="38100" dist="38100" dir="2700000" algn="tl">
+                    <a:srgbClr val="000000">
+                      <a:alpha val="43137"/>
+                    </a:srgbClr>
+                  </a:outerShdw>
+                </a:effectLst>
+                <a:uLnTx/>
+                <a:uFillTx/>
+                <a:latin typeface="微軟正黑體" panose="020B0604030504040204" pitchFamily="34" charset="-120"/>
+                <a:ea typeface="微軟正黑體" panose="020B0604030504040204" pitchFamily="34" charset="-120"/>
+                <a:cs typeface="+mn-cs"/>
+              </a:rPr>
+              <a:t>偏見和問題</a:t>
+            </a:r>
+          </a:p>
+        </p:txBody>
+      </p:sp>
     </p:spTree>
     <p:extLst>
       <p:ext uri="{BB962C8B-B14F-4D97-AF65-F5344CB8AC3E}">
-        <p14:creationId xmlns:p14="http://schemas.microsoft.com/office/powerpoint/2010/main" val="619697050"/>
+        <p14:creationId xmlns:p14="http://schemas.microsoft.com/office/powerpoint/2010/main" val="3315449771"/>
       </p:ext>
     </p:extLst>
   </p:cSld>
